--- a/Презентация проекта.pptx
+++ b/Презентация проекта.pptx
@@ -23,6 +23,7 @@
     <p:sldId id="271" r:id="rId17"/>
     <p:sldId id="272" r:id="rId18"/>
     <p:sldId id="273" r:id="rId19"/>
+    <p:sldId id="283" r:id="rId20"/>
   </p:sldIdLst>
   <p:sldSz cx="9144000" cy="6858000" type="screen4x3"/>
   <p:notesSz cx="6858000" cy="9144000"/>
@@ -335,7 +336,7 @@
           <a:p>
             <a:fld id="{6A3739BC-6F54-41EA-B142-AF83039A8732}" type="datetimeFigureOut">
               <a:rPr lang="ru-RU" smtClean="0"/>
-              <a:t>17.08.2020</a:t>
+              <a:t>20.08.2020</a:t>
             </a:fld>
             <a:endParaRPr lang="ru-RU"/>
           </a:p>
@@ -521,7 +522,7 @@
           <a:p>
             <a:fld id="{6A3739BC-6F54-41EA-B142-AF83039A8732}" type="datetimeFigureOut">
               <a:rPr lang="ru-RU" smtClean="0"/>
-              <a:t>17.08.2020</a:t>
+              <a:t>20.08.2020</a:t>
             </a:fld>
             <a:endParaRPr lang="ru-RU"/>
           </a:p>
@@ -703,7 +704,7 @@
           <a:p>
             <a:fld id="{6A3739BC-6F54-41EA-B142-AF83039A8732}" type="datetimeFigureOut">
               <a:rPr lang="ru-RU" smtClean="0"/>
-              <a:t>17.08.2020</a:t>
+              <a:t>20.08.2020</a:t>
             </a:fld>
             <a:endParaRPr lang="ru-RU"/>
           </a:p>
@@ -896,7 +897,7 @@
           <a:p>
             <a:fld id="{6A3739BC-6F54-41EA-B142-AF83039A8732}" type="datetimeFigureOut">
               <a:rPr lang="ru-RU" smtClean="0"/>
-              <a:t>17.08.2020</a:t>
+              <a:t>20.08.2020</a:t>
             </a:fld>
             <a:endParaRPr lang="ru-RU"/>
           </a:p>
@@ -1022,7 +1023,7 @@
           <a:p>
             <a:fld id="{6A3739BC-6F54-41EA-B142-AF83039A8732}" type="datetimeFigureOut">
               <a:rPr lang="ru-RU" smtClean="0"/>
-              <a:t>17.08.2020</a:t>
+              <a:t>20.08.2020</a:t>
             </a:fld>
             <a:endParaRPr lang="ru-RU"/>
           </a:p>
@@ -1411,7 +1412,7 @@
           <a:p>
             <a:fld id="{6A3739BC-6F54-41EA-B142-AF83039A8732}" type="datetimeFigureOut">
               <a:rPr lang="ru-RU" smtClean="0"/>
-              <a:t>17.08.2020</a:t>
+              <a:t>20.08.2020</a:t>
             </a:fld>
             <a:endParaRPr lang="ru-RU"/>
           </a:p>
@@ -1856,7 +1857,7 @@
           <a:p>
             <a:fld id="{6A3739BC-6F54-41EA-B142-AF83039A8732}" type="datetimeFigureOut">
               <a:rPr lang="ru-RU" smtClean="0"/>
-              <a:t>17.08.2020</a:t>
+              <a:t>20.08.2020</a:t>
             </a:fld>
             <a:endParaRPr lang="ru-RU"/>
           </a:p>
@@ -1981,7 +1982,7 @@
           <a:p>
             <a:fld id="{6A3739BC-6F54-41EA-B142-AF83039A8732}" type="datetimeFigureOut">
               <a:rPr lang="ru-RU" smtClean="0"/>
-              <a:t>17.08.2020</a:t>
+              <a:t>20.08.2020</a:t>
             </a:fld>
             <a:endParaRPr lang="ru-RU"/>
           </a:p>
@@ -2078,7 +2079,7 @@
           <a:p>
             <a:fld id="{6A3739BC-6F54-41EA-B142-AF83039A8732}" type="datetimeFigureOut">
               <a:rPr lang="ru-RU" smtClean="0"/>
-              <a:t>17.08.2020</a:t>
+              <a:t>20.08.2020</a:t>
             </a:fld>
             <a:endParaRPr lang="ru-RU"/>
           </a:p>
@@ -2369,7 +2370,7 @@
           <a:p>
             <a:fld id="{6A3739BC-6F54-41EA-B142-AF83039A8732}" type="datetimeFigureOut">
               <a:rPr lang="ru-RU" smtClean="0"/>
-              <a:t>17.08.2020</a:t>
+              <a:t>20.08.2020</a:t>
             </a:fld>
             <a:endParaRPr lang="ru-RU"/>
           </a:p>
@@ -2638,7 +2639,7 @@
           <a:p>
             <a:fld id="{6A3739BC-6F54-41EA-B142-AF83039A8732}" type="datetimeFigureOut">
               <a:rPr lang="ru-RU" smtClean="0"/>
-              <a:t>17.08.2020</a:t>
+              <a:t>20.08.2020</a:t>
             </a:fld>
             <a:endParaRPr lang="ru-RU"/>
           </a:p>
@@ -2920,7 +2921,7 @@
           <a:p>
             <a:fld id="{6A3739BC-6F54-41EA-B142-AF83039A8732}" type="datetimeFigureOut">
               <a:rPr lang="ru-RU" smtClean="0"/>
-              <a:t>17.08.2020</a:t>
+              <a:t>20.08.2020</a:t>
             </a:fld>
             <a:endParaRPr lang="ru-RU"/>
           </a:p>
@@ -3331,7 +3332,7 @@
       </p:grpSpPr>
       <p:pic>
         <p:nvPicPr>
-          <p:cNvPr id="2" name="Рисунок 1" descr="Скопление_галактик"/>
+          <p:cNvPr id="2" name="Рисунок 1"/>
           <p:cNvPicPr>
             <a:picLocks noGrp="1" noChangeAspect="1"/>
           </p:cNvPicPr>
@@ -3339,7 +3340,6 @@
         </p:nvPicPr>
         <p:blipFill>
           <a:blip r:embed="rId2">
-            <a:lum/>
             <a:extLst>
               <a:ext uri="{28A0092B-C50C-407E-A947-70E740481C1C}">
                 <a14:useLocalDpi xmlns:a14="http://schemas.microsoft.com/office/drawing/2010/main" val="0"/>
@@ -3420,7 +3420,7 @@
                   <a:schemeClr val="bg1"/>
                 </a:solidFill>
               </a:rPr>
-              <a:t>Выполнил: Виноградова В.Е.</a:t>
+              <a:t>Выполнила: Виноградова В.Е.</a:t>
             </a:r>
           </a:p>
           <a:p>
@@ -3598,11 +3598,7 @@
                     <a:p>
                       <a:r>
                         <a:rPr lang="ru-RU" sz="1400" dirty="0" smtClean="0"/>
-                        <a:t>Нормализованные </a:t>
-                      </a:r>
-                      <a:r>
-                        <a:rPr lang="ru-RU" sz="1400" dirty="0" smtClean="0"/>
-                        <a:t>данные</a:t>
+                        <a:t>Нормализованные данные</a:t>
                       </a:r>
                     </a:p>
                     <a:p>
@@ -3911,13 +3907,6 @@
                         </a:rPr>
                         <a:t>Девушки, </a:t>
                       </a:r>
-                      <a:endParaRPr lang="ru-RU" sz="1300" b="0" i="0" u="none" strike="noStrike" dirty="0" smtClean="0">
-                        <a:solidFill>
-                          <a:srgbClr val="000000"/>
-                        </a:solidFill>
-                        <a:effectLst/>
-                        <a:latin typeface="+mn-lt"/>
-                      </a:endParaRPr>
                     </a:p>
                     <a:p>
                       <a:pPr algn="l" fontAlgn="ctr"/>
@@ -3929,17 +3918,7 @@
                           <a:effectLst/>
                           <a:latin typeface="+mn-lt"/>
                         </a:rPr>
-                        <a:t>пятница обязательно</a:t>
-                      </a:r>
-                      <a:r>
-                        <a:rPr lang="ru-RU" sz="1300" b="0" i="0" u="none" strike="noStrike" dirty="0" smtClean="0">
-                          <a:solidFill>
-                            <a:srgbClr val="000000"/>
-                          </a:solidFill>
-                          <a:effectLst/>
-                          <a:latin typeface="+mn-lt"/>
-                        </a:rPr>
-                        <a:t>, </a:t>
+                        <a:t>пятница обязательно, </a:t>
                       </a:r>
                     </a:p>
                     <a:p>
@@ -4307,13 +4286,6 @@
                         </a:rPr>
                         <a:t>Мужчины, </a:t>
                       </a:r>
-                      <a:endParaRPr lang="ru-RU" sz="1300" b="0" i="0" u="none" strike="noStrike" dirty="0" smtClean="0">
-                        <a:solidFill>
-                          <a:srgbClr val="000000"/>
-                        </a:solidFill>
-                        <a:effectLst/>
-                        <a:latin typeface="+mn-lt"/>
-                      </a:endParaRPr>
                     </a:p>
                     <a:p>
                       <a:pPr algn="l" fontAlgn="ctr"/>
@@ -4325,17 +4297,7 @@
                           <a:effectLst/>
                           <a:latin typeface="+mn-lt"/>
                         </a:rPr>
-                        <a:t>не </a:t>
-                      </a:r>
-                      <a:r>
-                        <a:rPr lang="ru-RU" sz="1300" b="0" i="0" u="none" strike="noStrike" dirty="0" smtClean="0">
-                          <a:solidFill>
-                            <a:srgbClr val="000000"/>
-                          </a:solidFill>
-                          <a:effectLst/>
-                          <a:latin typeface="+mn-lt"/>
-                        </a:rPr>
-                        <a:t>суббота,</a:t>
+                        <a:t>не суббота,</a:t>
                       </a:r>
                     </a:p>
                     <a:p>
@@ -4595,13 +4557,6 @@
                         </a:rPr>
                         <a:t>Девушки, </a:t>
                       </a:r>
-                      <a:endParaRPr lang="ru-RU" sz="1300" b="0" i="0" u="none" strike="noStrike" dirty="0" smtClean="0">
-                        <a:solidFill>
-                          <a:srgbClr val="000000"/>
-                        </a:solidFill>
-                        <a:effectLst/>
-                        <a:latin typeface="+mn-lt"/>
-                      </a:endParaRPr>
                     </a:p>
                     <a:p>
                       <a:pPr algn="l" fontAlgn="ctr"/>
@@ -4613,17 +4568,7 @@
                           <a:effectLst/>
                           <a:latin typeface="+mn-lt"/>
                         </a:rPr>
-                        <a:t>не </a:t>
-                      </a:r>
-                      <a:r>
-                        <a:rPr lang="ru-RU" sz="1300" b="0" i="0" u="none" strike="noStrike" dirty="0" smtClean="0">
-                          <a:solidFill>
-                            <a:srgbClr val="000000"/>
-                          </a:solidFill>
-                          <a:effectLst/>
-                          <a:latin typeface="+mn-lt"/>
-                        </a:rPr>
-                        <a:t>пятница,</a:t>
+                        <a:t>не пятница,</a:t>
                       </a:r>
                     </a:p>
                     <a:p>
@@ -4783,13 +4728,6 @@
                         </a:rPr>
                         <a:t>Мужчины, </a:t>
                       </a:r>
-                      <a:endParaRPr lang="ru-RU" sz="1300" b="0" i="0" u="none" strike="noStrike" dirty="0" smtClean="0">
-                        <a:solidFill>
-                          <a:srgbClr val="000000"/>
-                        </a:solidFill>
-                        <a:effectLst/>
-                        <a:latin typeface="+mn-lt"/>
-                      </a:endParaRPr>
                     </a:p>
                     <a:p>
                       <a:pPr algn="l" fontAlgn="ctr"/>
@@ -4801,17 +4739,7 @@
                           <a:effectLst/>
                           <a:latin typeface="+mn-lt"/>
                         </a:rPr>
-                        <a:t>суббота обязательно</a:t>
-                      </a:r>
-                      <a:r>
-                        <a:rPr lang="ru-RU" sz="1300" b="0" i="0" u="none" strike="noStrike" dirty="0" smtClean="0">
-                          <a:solidFill>
-                            <a:srgbClr val="000000"/>
-                          </a:solidFill>
-                          <a:effectLst/>
-                          <a:latin typeface="+mn-lt"/>
-                        </a:rPr>
-                        <a:t>,</a:t>
+                        <a:t>суббота обязательно,</a:t>
                       </a:r>
                     </a:p>
                     <a:p>
@@ -5494,6 +5422,13 @@
   <p:clrMapOvr>
     <a:masterClrMapping/>
   </p:clrMapOvr>
+  <p:timing>
+    <p:tnLst>
+      <p:par>
+        <p:cTn id="1" dur="indefinite" restart="never" nodeType="tmRoot"/>
+      </p:par>
+    </p:tnLst>
+  </p:timing>
 </p:sld>
 </file>
 
@@ -5647,11 +5582,7 @@
             <a:pPr algn="just"/>
             <a:r>
               <a:rPr lang="ru-RU" dirty="0" smtClean="0"/>
-              <a:t>       </a:t>
-            </a:r>
-            <a:r>
-              <a:rPr lang="ru-RU" dirty="0" smtClean="0"/>
-              <a:t>Во </a:t>
+              <a:t>       Во </a:t>
             </a:r>
             <a:r>
               <a:rPr lang="ru-RU" dirty="0"/>
@@ -5909,6 +5840,13 @@
   <p:clrMapOvr>
     <a:masterClrMapping/>
   </p:clrMapOvr>
+  <p:timing>
+    <p:tnLst>
+      <p:par>
+        <p:cTn id="1" dur="indefinite" restart="never" nodeType="tmRoot"/>
+      </p:par>
+    </p:tnLst>
+  </p:timing>
 </p:sld>
 </file>
 
@@ -6367,10 +6305,6 @@
           </a:p>
           <a:p>
             <a:pPr algn="ctr"/>
-            <a:endParaRPr lang="ru-RU" b="1" dirty="0" smtClean="0"/>
-          </a:p>
-          <a:p>
-            <a:pPr algn="ctr"/>
             <a:endParaRPr lang="ru-RU" b="1" dirty="0"/>
           </a:p>
           <a:p>
@@ -6380,11 +6314,7 @@
             </a:pPr>
             <a:r>
               <a:rPr lang="ru-RU" b="1" dirty="0" err="1" smtClean="0"/>
-              <a:t>Агломеративн</a:t>
-            </a:r>
-            <a:r>
-              <a:rPr lang="ru-RU" b="1" dirty="0" err="1" smtClean="0"/>
-              <a:t>ая</a:t>
+              <a:t>Агломеративная</a:t>
             </a:r>
             <a:r>
               <a:rPr lang="ru-RU" b="1" dirty="0" smtClean="0"/>
@@ -6408,11 +6338,12 @@
             </a:r>
             <a:r>
               <a:rPr lang="ru-RU" dirty="0"/>
-              <a:t>разбиению на 2 кластера.</a:t>
-            </a:r>
-          </a:p>
-          <a:p>
-            <a:pPr algn="l"/>
+              <a:t>разбиению на 2 кластера</a:t>
+            </a:r>
+            <a:r>
+              <a:rPr lang="ru-RU" dirty="0" smtClean="0"/>
+              <a:t>.</a:t>
+            </a:r>
             <a:r>
               <a:rPr lang="ru-RU" dirty="0"/>
               <a:t> </a:t>
@@ -6449,11 +6380,7 @@
             </a:r>
             <a:r>
               <a:rPr lang="ru-RU" dirty="0" smtClean="0"/>
-              <a:t>кластера</a:t>
-            </a:r>
-            <a:r>
-              <a:rPr lang="ru-RU" dirty="0"/>
-              <a:t>:</a:t>
+              <a:t>кластера:</a:t>
             </a:r>
             <a:endParaRPr lang="ru-RU" dirty="0" smtClean="0"/>
           </a:p>
@@ -6492,8 +6419,8 @@
         </p:blipFill>
         <p:spPr bwMode="auto">
           <a:xfrm>
-            <a:off x="1043607" y="2852936"/>
-            <a:ext cx="4916487" cy="3009900"/>
+            <a:off x="695574" y="2208049"/>
+            <a:ext cx="3293378" cy="2016224"/>
           </a:xfrm>
           <a:prstGeom prst="rect">
             <a:avLst/>
@@ -6510,6 +6437,117 @@
           </a:extLst>
         </p:spPr>
       </p:pic>
+      <p:pic>
+        <p:nvPicPr>
+          <p:cNvPr id="2" name="Рисунок 1"/>
+          <p:cNvPicPr>
+            <a:picLocks noChangeAspect="1"/>
+          </p:cNvPicPr>
+          <p:nvPr/>
+        </p:nvPicPr>
+        <p:blipFill>
+          <a:blip r:embed="rId3">
+            <a:extLst>
+              <a:ext uri="{28A0092B-C50C-407E-A947-70E740481C1C}">
+                <a14:useLocalDpi xmlns:a14="http://schemas.microsoft.com/office/drawing/2010/main" val="0"/>
+              </a:ext>
+            </a:extLst>
+          </a:blip>
+          <a:stretch>
+            <a:fillRect/>
+          </a:stretch>
+        </p:blipFill>
+        <p:spPr>
+          <a:xfrm>
+            <a:off x="683568" y="4358765"/>
+            <a:ext cx="3293378" cy="2029934"/>
+          </a:xfrm>
+          <a:prstGeom prst="rect">
+            <a:avLst/>
+          </a:prstGeom>
+        </p:spPr>
+      </p:pic>
+      <p:sp>
+        <p:nvSpPr>
+          <p:cNvPr id="6" name="TextBox 5"/>
+          <p:cNvSpPr txBox="1"/>
+          <p:nvPr/>
+        </p:nvSpPr>
+        <p:spPr>
+          <a:xfrm>
+            <a:off x="4355976" y="2908384"/>
+            <a:ext cx="1584176" cy="307777"/>
+          </a:xfrm>
+          <a:prstGeom prst="rect">
+            <a:avLst/>
+          </a:prstGeom>
+          <a:noFill/>
+        </p:spPr>
+        <p:txBody>
+          <a:bodyPr wrap="square" rtlCol="0">
+            <a:spAutoFit/>
+          </a:bodyPr>
+          <a:lstStyle/>
+          <a:p>
+            <a:r>
+              <a:rPr lang="ru-RU" sz="1400" dirty="0">
+                <a:solidFill>
+                  <a:schemeClr val="tx2"/>
+                </a:solidFill>
+              </a:rPr>
+              <a:t>По всем данным</a:t>
+            </a:r>
+          </a:p>
+        </p:txBody>
+      </p:sp>
+      <p:sp>
+        <p:nvSpPr>
+          <p:cNvPr id="8" name="TextBox 7"/>
+          <p:cNvSpPr txBox="1"/>
+          <p:nvPr/>
+        </p:nvSpPr>
+        <p:spPr>
+          <a:xfrm>
+            <a:off x="4355976" y="4850512"/>
+            <a:ext cx="2088232" cy="523220"/>
+          </a:xfrm>
+          <a:prstGeom prst="rect">
+            <a:avLst/>
+          </a:prstGeom>
+          <a:noFill/>
+        </p:spPr>
+        <p:txBody>
+          <a:bodyPr wrap="square" rtlCol="0">
+            <a:spAutoFit/>
+          </a:bodyPr>
+          <a:lstStyle/>
+          <a:p>
+            <a:r>
+              <a:rPr lang="ru-RU" sz="1400" dirty="0" smtClean="0">
+                <a:solidFill>
+                  <a:schemeClr val="tx2"/>
+                </a:solidFill>
+              </a:rPr>
+              <a:t>По данным без 100</a:t>
+            </a:r>
+          </a:p>
+          <a:p>
+            <a:r>
+              <a:rPr lang="ru-RU" sz="1400" dirty="0" smtClean="0">
+                <a:solidFill>
+                  <a:schemeClr val="tx2"/>
+                </a:solidFill>
+              </a:rPr>
+              <a:t>аномальных значений</a:t>
+            </a:r>
+            <a:endParaRPr lang="ru-RU" sz="1400" dirty="0">
+              <a:solidFill>
+                <a:schemeClr val="tx2"/>
+              </a:solidFill>
+            </a:endParaRPr>
+          </a:p>
+        </p:txBody>
+      </p:sp>
     </p:spTree>
     <p:extLst>
       <p:ext uri="{BB962C8B-B14F-4D97-AF65-F5344CB8AC3E}">
@@ -6520,6 +6558,13 @@
   <p:clrMapOvr>
     <a:masterClrMapping/>
   </p:clrMapOvr>
+  <p:timing>
+    <p:tnLst>
+      <p:par>
+        <p:cTn id="1" dur="indefinite" restart="never" nodeType="tmRoot"/>
+      </p:par>
+    </p:tnLst>
+  </p:timing>
 </p:sld>
 </file>
 
@@ -6680,11 +6725,7 @@
             </a:r>
             <a:r>
               <a:rPr lang="ru-RU" dirty="0" smtClean="0"/>
-              <a:t>      </a:t>
-            </a:r>
-            <a:r>
-              <a:rPr lang="ru-RU" dirty="0" smtClean="0"/>
-              <a:t>Использовался </a:t>
+              <a:t>      Использовался </a:t>
             </a:r>
             <a:r>
               <a:rPr lang="ru-RU" dirty="0"/>
@@ -6782,11 +6823,7 @@
             </a:r>
             <a:r>
               <a:rPr lang="ru-RU" dirty="0" smtClean="0"/>
-              <a:t>      Эти к</a:t>
-            </a:r>
-            <a:r>
-              <a:rPr lang="ru-RU" dirty="0" smtClean="0"/>
-              <a:t>ластеры </a:t>
+              <a:t>      Эти кластеры </a:t>
             </a:r>
             <a:r>
               <a:rPr lang="ru-RU" dirty="0"/>
@@ -6802,6 +6839,159 @@
     <p:extLst>
       <p:ext uri="{BB962C8B-B14F-4D97-AF65-F5344CB8AC3E}">
         <p14:creationId xmlns:p14="http://schemas.microsoft.com/office/powerpoint/2010/main" val="2029970094"/>
+      </p:ext>
+    </p:extLst>
+  </p:cSld>
+  <p:clrMapOvr>
+    <a:masterClrMapping/>
+  </p:clrMapOvr>
+  <p:timing>
+    <p:tnLst>
+      <p:par>
+        <p:cTn id="1" dur="indefinite" restart="never" nodeType="tmRoot"/>
+      </p:par>
+    </p:tnLst>
+  </p:timing>
+</p:sld>
+</file>
+
+<file path=ppt/slides/slide19.xml><?xml version="1.0" encoding="utf-8"?>
+<p:sld xmlns:a="http://schemas.openxmlformats.org/drawingml/2006/main" xmlns:r="http://schemas.openxmlformats.org/officeDocument/2006/relationships" xmlns:p="http://schemas.openxmlformats.org/presentationml/2006/main">
+  <p:cSld>
+    <p:spTree>
+      <p:nvGrpSpPr>
+        <p:cNvPr id="1" name=""/>
+        <p:cNvGrpSpPr/>
+        <p:nvPr/>
+      </p:nvGrpSpPr>
+      <p:grpSpPr>
+        <a:xfrm>
+          <a:off x="0" y="0"/>
+          <a:ext cx="0" cy="0"/>
+          <a:chOff x="0" y="0"/>
+          <a:chExt cx="0" cy="0"/>
+        </a:xfrm>
+      </p:grpSpPr>
+      <p:sp>
+        <p:nvSpPr>
+          <p:cNvPr id="5" name="Текст 4"/>
+          <p:cNvSpPr>
+            <a:spLocks noGrp="1"/>
+          </p:cNvSpPr>
+          <p:nvPr>
+            <p:ph type="body" sz="quarter" idx="13"/>
+          </p:nvPr>
+        </p:nvSpPr>
+        <p:spPr>
+          <a:xfrm>
+            <a:off x="457200" y="404664"/>
+            <a:ext cx="6131024" cy="6048672"/>
+          </a:xfrm>
+        </p:spPr>
+        <p:txBody>
+          <a:bodyPr>
+            <a:normAutofit/>
+          </a:bodyPr>
+          <a:lstStyle/>
+          <a:p>
+            <a:pPr lvl="0" algn="ctr"/>
+            <a:r>
+              <a:rPr lang="ru-RU" b="1" dirty="0" smtClean="0"/>
+              <a:t>Значение данного исследования для заказчика</a:t>
+            </a:r>
+            <a:endParaRPr lang="ru-RU" b="1" dirty="0" smtClean="0"/>
+          </a:p>
+          <a:p>
+            <a:pPr lvl="0" algn="just"/>
+            <a:endParaRPr lang="ru-RU" dirty="0" smtClean="0"/>
+          </a:p>
+          <a:p>
+            <a:pPr lvl="0" algn="just"/>
+            <a:endParaRPr lang="ru-RU" dirty="0"/>
+          </a:p>
+          <a:p>
+            <a:pPr lvl="0" algn="just"/>
+            <a:endParaRPr lang="ru-RU" dirty="0" smtClean="0"/>
+          </a:p>
+          <a:p>
+            <a:pPr lvl="0" algn="just"/>
+            <a:endParaRPr lang="ru-RU" dirty="0" smtClean="0"/>
+          </a:p>
+          <a:p>
+            <a:pPr lvl="0" algn="just"/>
+            <a:endParaRPr lang="ru-RU" dirty="0"/>
+          </a:p>
+          <a:p>
+            <a:pPr marL="285750" lvl="0" indent="-285750" algn="just">
+              <a:buFont typeface="Arial" pitchFamily="34" charset="0"/>
+              <a:buChar char="•"/>
+            </a:pPr>
+            <a:r>
+              <a:rPr lang="ru-RU" dirty="0" smtClean="0"/>
+              <a:t>Позиционирование </a:t>
+            </a:r>
+            <a:r>
+              <a:rPr lang="ru-RU" dirty="0"/>
+              <a:t>("Бар друзей", привлекающий компании) соответствует тому, что происходит в </a:t>
+            </a:r>
+            <a:r>
+              <a:rPr lang="ru-RU" dirty="0" smtClean="0"/>
+              <a:t>реальности. Значит позиционирование верное и выполняет свою задачу.</a:t>
+            </a:r>
+          </a:p>
+          <a:p>
+            <a:pPr marL="285750" lvl="0" indent="-285750" algn="just">
+              <a:buFont typeface="Arial" pitchFamily="34" charset="0"/>
+              <a:buChar char="•"/>
+            </a:pPr>
+            <a:endParaRPr lang="ru-RU" dirty="0"/>
+          </a:p>
+          <a:p>
+            <a:pPr marL="285750" lvl="0" indent="-285750" algn="just">
+              <a:buFont typeface="Arial" pitchFamily="34" charset="0"/>
+              <a:buChar char="•"/>
+            </a:pPr>
+            <a:r>
+              <a:rPr lang="ru-RU" dirty="0" smtClean="0"/>
+              <a:t>Более точно определены параметры, по которым можно настроить </a:t>
+            </a:r>
+            <a:r>
+              <a:rPr lang="ru-RU" dirty="0" err="1"/>
+              <a:t>таргетированную</a:t>
+            </a:r>
+            <a:r>
+              <a:rPr lang="ru-RU" dirty="0"/>
+              <a:t> </a:t>
+            </a:r>
+            <a:r>
+              <a:rPr lang="ru-RU" dirty="0" smtClean="0"/>
+              <a:t>рекламу.</a:t>
+            </a:r>
+          </a:p>
+          <a:p>
+            <a:pPr marL="285750" lvl="0" indent="-285750" algn="just">
+              <a:buFont typeface="Arial" pitchFamily="34" charset="0"/>
+              <a:buChar char="•"/>
+            </a:pPr>
+            <a:endParaRPr lang="ru-RU" dirty="0"/>
+          </a:p>
+          <a:p>
+            <a:pPr marL="285750" lvl="0" indent="-285750" algn="just">
+              <a:buFont typeface="Arial" pitchFamily="34" charset="0"/>
+              <a:buChar char="•"/>
+            </a:pPr>
+            <a:r>
+              <a:rPr lang="ru-RU" dirty="0" smtClean="0"/>
+              <a:t>Новые знания о клиентах позволят улучшить взаимодействие с ними, а также прогнозировать эффект акций.</a:t>
+            </a:r>
+            <a:endParaRPr lang="ru-RU" dirty="0" smtClean="0"/>
+          </a:p>
+        </p:txBody>
+      </p:sp>
+    </p:spTree>
+    <p:extLst>
+      <p:ext uri="{BB962C8B-B14F-4D97-AF65-F5344CB8AC3E}">
+        <p14:creationId xmlns:p14="http://schemas.microsoft.com/office/powerpoint/2010/main" val="2174436955"/>
       </p:ext>
     </p:extLst>
   </p:cSld>
@@ -6913,17 +7103,12 @@
               <a:rPr lang="ru-RU" dirty="0" smtClean="0"/>
               <a:t>Отдел маркетинга. </a:t>
             </a:r>
-            <a:endParaRPr lang="ru-RU" dirty="0" smtClean="0"/>
           </a:p>
           <a:p>
             <a:pPr algn="just"/>
             <a:r>
               <a:rPr lang="ru-RU" dirty="0" smtClean="0"/>
-              <a:t>Для </a:t>
-            </a:r>
-            <a:r>
-              <a:rPr lang="ru-RU" dirty="0" smtClean="0"/>
-              <a:t>анализа</a:t>
+              <a:t>Для анализа</a:t>
             </a:r>
             <a:r>
               <a:rPr lang="ru-RU" dirty="0"/>
@@ -7062,11 +7247,7 @@
             </a:r>
             <a:r>
               <a:rPr lang="ru-RU" dirty="0" smtClean="0"/>
-              <a:t>       </a:t>
-            </a:r>
-            <a:r>
-              <a:rPr lang="ru-RU" dirty="0" smtClean="0"/>
-              <a:t>В </a:t>
+              <a:t>       В </a:t>
             </a:r>
             <a:r>
               <a:rPr lang="ru-RU" dirty="0"/>
@@ -7537,11 +7718,7 @@
             <a:pPr algn="l"/>
             <a:r>
               <a:rPr lang="ru-RU" dirty="0" smtClean="0"/>
-              <a:t>1. </a:t>
-            </a:r>
-            <a:r>
-              <a:rPr lang="ru-RU" dirty="0" smtClean="0"/>
-              <a:t>Цель </a:t>
+              <a:t>1. Цель </a:t>
             </a:r>
             <a:r>
               <a:rPr lang="ru-RU" dirty="0"/>
@@ -7821,11 +7998,7 @@
             <a:pPr lvl="0" algn="just"/>
             <a:r>
               <a:rPr lang="ru-RU" dirty="0" smtClean="0"/>
-              <a:t>Р</a:t>
-            </a:r>
-            <a:r>
-              <a:rPr lang="ru-RU" dirty="0" smtClean="0"/>
-              <a:t>азмах </a:t>
+              <a:t>Размах </a:t>
             </a:r>
             <a:r>
               <a:rPr lang="ru-RU" dirty="0"/>
@@ -8270,23 +8443,7 @@
             <a:pPr algn="ctr"/>
             <a:r>
               <a:rPr lang="ru-RU" b="1" dirty="0" smtClean="0"/>
-              <a:t>Ключевой </a:t>
-            </a:r>
-            <a:r>
-              <a:rPr lang="ru-RU" b="1" dirty="0" smtClean="0"/>
-              <a:t>признак </a:t>
-            </a:r>
-            <a:r>
-              <a:rPr lang="ru-RU" b="1" dirty="0" smtClean="0"/>
-              <a:t>– это ARPU </a:t>
-            </a:r>
-            <a:r>
-              <a:rPr lang="ru-RU" b="1" dirty="0" smtClean="0"/>
-              <a:t>(доходность клиента за 1 месяц</a:t>
-            </a:r>
-            <a:r>
-              <a:rPr lang="ru-RU" b="1" dirty="0" smtClean="0"/>
-              <a:t>)</a:t>
+              <a:t>Ключевой признак – это ARPU (доходность клиента за 1 месяц)</a:t>
             </a:r>
           </a:p>
           <a:p>
@@ -8302,50 +8459,21 @@
             <a:pPr algn="just"/>
             <a:r>
               <a:rPr lang="ru-RU" dirty="0" smtClean="0"/>
-              <a:t>       П</a:t>
-            </a:r>
-            <a:r>
-              <a:rPr lang="ru-RU" dirty="0" smtClean="0"/>
-              <a:t>риведена подробная гистограмма для </a:t>
-            </a:r>
-            <a:r>
-              <a:rPr lang="ru-RU" dirty="0" smtClean="0"/>
-              <a:t>ARPU &lt; 8000 </a:t>
-            </a:r>
-            <a:r>
-              <a:rPr lang="ru-RU" dirty="0" smtClean="0"/>
-              <a:t>руб. с шагом 500 руб.</a:t>
+              <a:t>       Приведена подробная гистограмма для ARPU &lt; 8000 руб. с шагом 500 руб.</a:t>
             </a:r>
           </a:p>
           <a:p>
             <a:pPr algn="just"/>
             <a:r>
               <a:rPr lang="ru-RU" dirty="0" smtClean="0"/>
-              <a:t>       П</a:t>
-            </a:r>
-            <a:r>
-              <a:rPr lang="ru-RU" dirty="0" smtClean="0"/>
-              <a:t>редварительно </a:t>
-            </a:r>
-            <a:r>
-              <a:rPr lang="ru-RU" dirty="0" smtClean="0"/>
-              <a:t>видим, что больше всего клиентов тратят за месяц сумму в диапазоне 500-2000 руб. </a:t>
-            </a:r>
-            <a:endParaRPr lang="ru-RU" dirty="0" smtClean="0"/>
+              <a:t>       Предварительно видим, что больше всего клиентов тратят за месяц сумму в диапазоне 500-2000 руб. </a:t>
+            </a:r>
           </a:p>
           <a:p>
             <a:pPr algn="just"/>
             <a:r>
               <a:rPr lang="ru-RU" dirty="0" smtClean="0"/>
-              <a:t>       При </a:t>
-            </a:r>
-            <a:r>
-              <a:rPr lang="ru-RU" dirty="0" smtClean="0"/>
-              <a:t>этом точное медианное значение составляет 1889 руб</a:t>
-            </a:r>
-            <a:r>
-              <a:rPr lang="ru-RU" dirty="0" smtClean="0"/>
-              <a:t>.</a:t>
+              <a:t>       При этом точное медианное значение составляет 1889 руб.</a:t>
             </a:r>
           </a:p>
           <a:p>
@@ -8566,22 +8694,6 @@
           <a:lstStyle/>
           <a:p>
             <a:pPr algn="ctr"/>
-            <a:endParaRPr lang="ru-RU" b="1" dirty="0" smtClean="0"/>
-          </a:p>
-          <a:p>
-            <a:pPr algn="ctr"/>
-            <a:endParaRPr lang="ru-RU" b="1" dirty="0"/>
-          </a:p>
-          <a:p>
-            <a:pPr algn="ctr"/>
-            <a:endParaRPr lang="ru-RU" b="1" dirty="0" smtClean="0"/>
-          </a:p>
-          <a:p>
-            <a:pPr algn="ctr"/>
-            <a:endParaRPr lang="ru-RU" b="1" dirty="0" smtClean="0"/>
-          </a:p>
-          <a:p>
-            <a:pPr algn="ctr"/>
             <a:r>
               <a:rPr lang="en-US" b="1" dirty="0" smtClean="0"/>
               <a:t>B</a:t>
@@ -8594,6 +8706,10 @@
               <a:rPr lang="ru-RU" b="1" dirty="0" smtClean="0"/>
               <a:t>Кластеризация</a:t>
             </a:r>
+          </a:p>
+          <a:p>
+            <a:pPr algn="just"/>
+            <a:endParaRPr lang="en-US" dirty="0" smtClean="0"/>
           </a:p>
           <a:p>
             <a:pPr algn="just"/>
@@ -8616,33 +8732,96 @@
               <a:rPr lang="ru-RU" dirty="0"/>
               <a:t> с помощью Метода локтя и Алгоритма DBSCAN. </a:t>
             </a:r>
-            <a:endParaRPr lang="ru-RU" dirty="0"/>
           </a:p>
           <a:p>
             <a:pPr algn="just"/>
             <a:r>
               <a:rPr lang="ru-RU" dirty="0" smtClean="0"/>
-              <a:t>       В</a:t>
-            </a:r>
-            <a:r>
-              <a:rPr lang="ru-RU" dirty="0" smtClean="0"/>
-              <a:t> качестве метрики используем </a:t>
+              <a:t>В </a:t>
+            </a:r>
+            <a:r>
+              <a:rPr lang="ru-RU" dirty="0" smtClean="0"/>
+              <a:t>качестве метрики используем </a:t>
             </a:r>
             <a:r>
               <a:rPr lang="ru-RU" dirty="0" err="1" smtClean="0"/>
               <a:t>коэф.силуэта</a:t>
             </a:r>
             <a:r>
-              <a:rPr lang="ru-RU" dirty="0"/>
-              <a:t>, т.к. мы не располагаем размеченными данными. </a:t>
-            </a:r>
+              <a:rPr lang="ru-RU" dirty="0" smtClean="0"/>
+              <a:t> </a:t>
+            </a:r>
+            <a:r>
+              <a:rPr lang="en-US" b="1" dirty="0" smtClean="0"/>
+              <a:t>S</a:t>
+            </a:r>
+            <a:r>
+              <a:rPr lang="ru-RU" dirty="0" smtClean="0"/>
+              <a:t>, </a:t>
+            </a:r>
+            <a:r>
+              <a:rPr lang="ru-RU" dirty="0"/>
+              <a:t>т.к. мы не располагаем размеченными данными. </a:t>
+            </a:r>
+            <a:endParaRPr lang="en-US" dirty="0" smtClean="0"/>
+          </a:p>
+          <a:p>
+            <a:pPr algn="just"/>
+            <a:r>
+              <a:rPr lang="ru-RU" dirty="0" smtClean="0"/>
+              <a:t>Используется </a:t>
+            </a:r>
+            <a:r>
+              <a:rPr lang="ru-RU" dirty="0"/>
+              <a:t>среднее расстояние от данного объекта до объектов из того же </a:t>
+            </a:r>
+            <a:r>
+              <a:rPr lang="ru-RU" dirty="0" smtClean="0"/>
+              <a:t>кластера (</a:t>
+            </a:r>
+            <a:r>
+              <a:rPr lang="en-US" b="1" dirty="0" smtClean="0"/>
+              <a:t>a</a:t>
+            </a:r>
+            <a:r>
+              <a:rPr lang="ru-RU" dirty="0" smtClean="0"/>
+              <a:t>) и </a:t>
+            </a:r>
+            <a:r>
+              <a:rPr lang="ru-RU" dirty="0"/>
+              <a:t>среднее расстояние от данного объекта до объектов из ближайшего </a:t>
+            </a:r>
+            <a:r>
+              <a:rPr lang="ru-RU" dirty="0" smtClean="0"/>
+              <a:t>кластера (</a:t>
+            </a:r>
+            <a:r>
+              <a:rPr lang="en-US" b="1" dirty="0" smtClean="0"/>
+              <a:t>b</a:t>
+            </a:r>
+            <a:r>
+              <a:rPr lang="ru-RU" dirty="0" smtClean="0"/>
+              <a:t>):</a:t>
+            </a:r>
+            <a:endParaRPr lang="en-US" dirty="0" smtClean="0"/>
+          </a:p>
+          <a:p>
+            <a:pPr algn="just"/>
+            <a:endParaRPr lang="en-US" dirty="0"/>
+          </a:p>
+          <a:p>
+            <a:pPr algn="just"/>
             <a:endParaRPr lang="ru-RU" dirty="0" smtClean="0"/>
           </a:p>
           <a:p>
             <a:pPr algn="just"/>
-            <a:r>
-              <a:rPr lang="ru-RU" dirty="0" smtClean="0"/>
-              <a:t>       Результат</a:t>
+            <a:endParaRPr lang="ru-RU" dirty="0" smtClean="0"/>
+          </a:p>
+          <a:p>
+            <a:pPr algn="just"/>
+            <a:r>
+              <a:rPr lang="ru-RU" dirty="0" smtClean="0"/>
+              <a:t>Результат</a:t>
             </a:r>
             <a:r>
               <a:rPr lang="ru-RU" dirty="0"/>
@@ -8758,10 +8937,73 @@
               <a:rPr lang="ru-RU" dirty="0" smtClean="0"/>
               <a:t>       Результат: описание ключевых характеристик объектов каждого кластера.</a:t>
             </a:r>
-            <a:endParaRPr lang="ru-RU" dirty="0" smtClean="0"/>
           </a:p>
         </p:txBody>
       </p:sp>
+      <p:pic>
+        <p:nvPicPr>
+          <p:cNvPr id="1026" name="Picture 2"/>
+          <p:cNvPicPr>
+            <a:picLocks noChangeAspect="1" noChangeArrowheads="1"/>
+          </p:cNvPicPr>
+          <p:nvPr/>
+        </p:nvPicPr>
+        <p:blipFill>
+          <a:blip r:embed="rId2">
+            <a:extLst>
+              <a:ext uri="{28A0092B-C50C-407E-A947-70E740481C1C}">
+                <a14:useLocalDpi xmlns:a14="http://schemas.microsoft.com/office/drawing/2010/main" val="0"/>
+              </a:ext>
+            </a:extLst>
+          </a:blip>
+          <a:srcRect/>
+          <a:stretch>
+            <a:fillRect/>
+          </a:stretch>
+        </p:blipFill>
+        <p:spPr bwMode="auto">
+          <a:xfrm>
+            <a:off x="2761439" y="2780928"/>
+            <a:ext cx="1552575" cy="685800"/>
+          </a:xfrm>
+          <a:prstGeom prst="rect">
+            <a:avLst/>
+          </a:prstGeom>
+          <a:noFill/>
+          <a:ln>
+            <a:noFill/>
+          </a:ln>
+          <a:effectLst/>
+          <a:extLst>
+            <a:ext uri="{909E8E84-426E-40DD-AFC4-6F175D3DCCD1}">
+              <a14:hiddenFill xmlns:a14="http://schemas.microsoft.com/office/drawing/2010/main">
+                <a:solidFill>
+                  <a:schemeClr val="accent1"/>
+                </a:solidFill>
+              </a14:hiddenFill>
+            </a:ext>
+            <a:ext uri="{91240B29-F687-4F45-9708-019B960494DF}">
+              <a14:hiddenLine xmlns:a14="http://schemas.microsoft.com/office/drawing/2010/main" w="9525">
+                <a:solidFill>
+                  <a:schemeClr val="tx1"/>
+                </a:solidFill>
+                <a:miter lim="800000"/>
+                <a:headEnd/>
+                <a:tailEnd/>
+              </a14:hiddenLine>
+            </a:ext>
+            <a:ext uri="{AF507438-7753-43E0-B8FC-AC1667EBCBE1}">
+              <a14:hiddenEffects xmlns:a14="http://schemas.microsoft.com/office/drawing/2010/main">
+                <a:effectLst>
+                  <a:outerShdw dist="35921" dir="2700000" algn="ctr" rotWithShape="0">
+                    <a:schemeClr val="bg2"/>
+                  </a:outerShdw>
+                </a:effectLst>
+              </a14:hiddenEffects>
+            </a:ext>
+          </a:extLst>
+        </p:spPr>
+      </p:pic>
     </p:spTree>
     <p:extLst>
       <p:ext uri="{BB962C8B-B14F-4D97-AF65-F5344CB8AC3E}">
@@ -8772,6 +9014,13 @@
   <p:clrMapOvr>
     <a:masterClrMapping/>
   </p:clrMapOvr>
+  <p:timing>
+    <p:tnLst>
+      <p:par>
+        <p:cTn id="1" dur="indefinite" restart="never" nodeType="tmRoot"/>
+      </p:par>
+    </p:tnLst>
+  </p:timing>
 </p:sld>
 </file>
 

--- a/Презентация проекта.pptx
+++ b/Презентация проекта.pptx
@@ -17,13 +17,15 @@
     <p:sldId id="280" r:id="rId11"/>
     <p:sldId id="264" r:id="rId12"/>
     <p:sldId id="265" r:id="rId13"/>
-    <p:sldId id="267" r:id="rId14"/>
+    <p:sldId id="287" r:id="rId14"/>
     <p:sldId id="268" r:id="rId15"/>
-    <p:sldId id="270" r:id="rId16"/>
-    <p:sldId id="271" r:id="rId17"/>
-    <p:sldId id="272" r:id="rId18"/>
-    <p:sldId id="273" r:id="rId19"/>
-    <p:sldId id="283" r:id="rId20"/>
+    <p:sldId id="284" r:id="rId16"/>
+    <p:sldId id="270" r:id="rId17"/>
+    <p:sldId id="285" r:id="rId18"/>
+    <p:sldId id="286" r:id="rId19"/>
+    <p:sldId id="272" r:id="rId20"/>
+    <p:sldId id="273" r:id="rId21"/>
+    <p:sldId id="283" r:id="rId22"/>
   </p:sldIdLst>
   <p:sldSz cx="9144000" cy="6858000" type="screen4x3"/>
   <p:notesSz cx="6858000" cy="9144000"/>
@@ -336,7 +338,7 @@
           <a:p>
             <a:fld id="{6A3739BC-6F54-41EA-B142-AF83039A8732}" type="datetimeFigureOut">
               <a:rPr lang="ru-RU" smtClean="0"/>
-              <a:t>20.08.2020</a:t>
+              <a:t>25.08.2020</a:t>
             </a:fld>
             <a:endParaRPr lang="ru-RU"/>
           </a:p>
@@ -522,7 +524,7 @@
           <a:p>
             <a:fld id="{6A3739BC-6F54-41EA-B142-AF83039A8732}" type="datetimeFigureOut">
               <a:rPr lang="ru-RU" smtClean="0"/>
-              <a:t>20.08.2020</a:t>
+              <a:t>25.08.2020</a:t>
             </a:fld>
             <a:endParaRPr lang="ru-RU"/>
           </a:p>
@@ -704,7 +706,7 @@
           <a:p>
             <a:fld id="{6A3739BC-6F54-41EA-B142-AF83039A8732}" type="datetimeFigureOut">
               <a:rPr lang="ru-RU" smtClean="0"/>
-              <a:t>20.08.2020</a:t>
+              <a:t>25.08.2020</a:t>
             </a:fld>
             <a:endParaRPr lang="ru-RU"/>
           </a:p>
@@ -897,7 +899,7 @@
           <a:p>
             <a:fld id="{6A3739BC-6F54-41EA-B142-AF83039A8732}" type="datetimeFigureOut">
               <a:rPr lang="ru-RU" smtClean="0"/>
-              <a:t>20.08.2020</a:t>
+              <a:t>25.08.2020</a:t>
             </a:fld>
             <a:endParaRPr lang="ru-RU"/>
           </a:p>
@@ -1023,7 +1025,7 @@
           <a:p>
             <a:fld id="{6A3739BC-6F54-41EA-B142-AF83039A8732}" type="datetimeFigureOut">
               <a:rPr lang="ru-RU" smtClean="0"/>
-              <a:t>20.08.2020</a:t>
+              <a:t>25.08.2020</a:t>
             </a:fld>
             <a:endParaRPr lang="ru-RU"/>
           </a:p>
@@ -1412,7 +1414,7 @@
           <a:p>
             <a:fld id="{6A3739BC-6F54-41EA-B142-AF83039A8732}" type="datetimeFigureOut">
               <a:rPr lang="ru-RU" smtClean="0"/>
-              <a:t>20.08.2020</a:t>
+              <a:t>25.08.2020</a:t>
             </a:fld>
             <a:endParaRPr lang="ru-RU"/>
           </a:p>
@@ -1857,7 +1859,7 @@
           <a:p>
             <a:fld id="{6A3739BC-6F54-41EA-B142-AF83039A8732}" type="datetimeFigureOut">
               <a:rPr lang="ru-RU" smtClean="0"/>
-              <a:t>20.08.2020</a:t>
+              <a:t>25.08.2020</a:t>
             </a:fld>
             <a:endParaRPr lang="ru-RU"/>
           </a:p>
@@ -1982,7 +1984,7 @@
           <a:p>
             <a:fld id="{6A3739BC-6F54-41EA-B142-AF83039A8732}" type="datetimeFigureOut">
               <a:rPr lang="ru-RU" smtClean="0"/>
-              <a:t>20.08.2020</a:t>
+              <a:t>25.08.2020</a:t>
             </a:fld>
             <a:endParaRPr lang="ru-RU"/>
           </a:p>
@@ -2079,7 +2081,7 @@
           <a:p>
             <a:fld id="{6A3739BC-6F54-41EA-B142-AF83039A8732}" type="datetimeFigureOut">
               <a:rPr lang="ru-RU" smtClean="0"/>
-              <a:t>20.08.2020</a:t>
+              <a:t>25.08.2020</a:t>
             </a:fld>
             <a:endParaRPr lang="ru-RU"/>
           </a:p>
@@ -2370,7 +2372,7 @@
           <a:p>
             <a:fld id="{6A3739BC-6F54-41EA-B142-AF83039A8732}" type="datetimeFigureOut">
               <a:rPr lang="ru-RU" smtClean="0"/>
-              <a:t>20.08.2020</a:t>
+              <a:t>25.08.2020</a:t>
             </a:fld>
             <a:endParaRPr lang="ru-RU"/>
           </a:p>
@@ -2639,7 +2641,7 @@
           <a:p>
             <a:fld id="{6A3739BC-6F54-41EA-B142-AF83039A8732}" type="datetimeFigureOut">
               <a:rPr lang="ru-RU" smtClean="0"/>
-              <a:t>20.08.2020</a:t>
+              <a:t>25.08.2020</a:t>
             </a:fld>
             <a:endParaRPr lang="ru-RU"/>
           </a:p>
@@ -2921,7 +2923,7 @@
           <a:p>
             <a:fld id="{6A3739BC-6F54-41EA-B142-AF83039A8732}" type="datetimeFigureOut">
               <a:rPr lang="ru-RU" smtClean="0"/>
-              <a:t>20.08.2020</a:t>
+              <a:t>25.08.2020</a:t>
             </a:fld>
             <a:endParaRPr lang="ru-RU"/>
           </a:p>
@@ -3479,7 +3481,7 @@
             <p:ph sz="half" idx="1"/>
             <p:extLst>
               <p:ext uri="{D42A27DB-BD31-4B8C-83A1-F6EECF244321}">
-                <p14:modId xmlns:p14="http://schemas.microsoft.com/office/powerpoint/2010/main" val="2348959864"/>
+                <p14:modId xmlns:p14="http://schemas.microsoft.com/office/powerpoint/2010/main" val="3306842849"/>
               </p:ext>
             </p:extLst>
           </p:nvPr>
@@ -3644,7 +3646,11 @@
                     <a:p>
                       <a:r>
                         <a:rPr lang="ru-RU" sz="1400" dirty="0" smtClean="0"/>
-                        <a:t>1-й кластер</a:t>
+                        <a:t>1-й </a:t>
+                      </a:r>
+                      <a:r>
+                        <a:rPr lang="ru-RU" sz="1400" dirty="0" smtClean="0"/>
+                        <a:t>кластер</a:t>
                       </a:r>
                       <a:endParaRPr lang="ru-RU" sz="1400" dirty="0"/>
                     </a:p>
@@ -5471,88 +5477,192 @@
           </a:bodyPr>
           <a:lstStyle/>
           <a:p>
+            <a:pPr lvl="0" algn="just"/>
+            <a:endParaRPr lang="ru-RU" dirty="0" smtClean="0"/>
+          </a:p>
+          <a:p>
+            <a:pPr lvl="0" algn="just"/>
+            <a:endParaRPr lang="ru-RU" dirty="0"/>
+          </a:p>
+          <a:p>
+            <a:pPr lvl="0" algn="just"/>
+            <a:endParaRPr lang="ru-RU" dirty="0" smtClean="0"/>
+          </a:p>
+          <a:p>
+            <a:pPr lvl="0" algn="just"/>
+            <a:endParaRPr lang="ru-RU" dirty="0" smtClean="0"/>
+          </a:p>
+          <a:p>
+            <a:pPr lvl="0" algn="just"/>
+            <a:endParaRPr lang="ru-RU" dirty="0"/>
+          </a:p>
+        </p:txBody>
+      </p:sp>
+      <p:sp>
+        <p:nvSpPr>
+          <p:cNvPr id="4" name="TextBox 3"/>
+          <p:cNvSpPr txBox="1"/>
+          <p:nvPr/>
+        </p:nvSpPr>
+        <p:spPr>
+          <a:xfrm>
+            <a:off x="1547664" y="188640"/>
+            <a:ext cx="4392488" cy="954107"/>
+          </a:xfrm>
+          <a:prstGeom prst="rect">
+            <a:avLst/>
+          </a:prstGeom>
+          <a:noFill/>
+        </p:spPr>
+        <p:txBody>
+          <a:bodyPr wrap="square" rtlCol="0">
+            <a:spAutoFit/>
+          </a:bodyPr>
+          <a:lstStyle/>
+          <a:p>
             <a:pPr algn="ctr"/>
             <a:r>
-              <a:rPr lang="ru-RU" b="1" dirty="0" smtClean="0"/>
-              <a:t>При разбивке на 2 кластера они отличаются по </a:t>
-            </a:r>
-            <a:r>
-              <a:rPr lang="en-US" b="1" dirty="0" smtClean="0"/>
+              <a:rPr lang="ru-RU" sz="1400" b="1" dirty="0" err="1" smtClean="0">
+                <a:solidFill>
+                  <a:schemeClr val="tx2"/>
+                </a:solidFill>
+              </a:rPr>
+              <a:t>Нестандартизированные</a:t>
+            </a:r>
+            <a:r>
+              <a:rPr lang="ru-RU" sz="1400" b="1" dirty="0" smtClean="0">
+                <a:solidFill>
+                  <a:schemeClr val="tx2"/>
+                </a:solidFill>
+              </a:rPr>
+              <a:t> данные, 2 кластера</a:t>
+            </a:r>
+          </a:p>
+          <a:p>
+            <a:pPr algn="ctr"/>
+            <a:r>
+              <a:rPr lang="ru-RU" sz="1400" b="1" dirty="0" smtClean="0">
+                <a:solidFill>
+                  <a:schemeClr val="tx2"/>
+                </a:solidFill>
+              </a:rPr>
+              <a:t>отличаются </a:t>
+            </a:r>
+            <a:r>
+              <a:rPr lang="ru-RU" sz="1400" b="1" dirty="0">
+                <a:solidFill>
+                  <a:schemeClr val="tx2"/>
+                </a:solidFill>
+              </a:rPr>
+              <a:t>по </a:t>
+            </a:r>
+            <a:r>
+              <a:rPr lang="en-US" sz="1400" b="1" dirty="0">
+                <a:solidFill>
+                  <a:schemeClr val="tx2"/>
+                </a:solidFill>
+              </a:rPr>
               <a:t>ARPU</a:t>
             </a:r>
             <a:r>
-              <a:rPr lang="ru-RU" b="1" dirty="0" smtClean="0"/>
+              <a:rPr lang="ru-RU" sz="1400" b="1" dirty="0">
+                <a:solidFill>
+                  <a:schemeClr val="tx2"/>
+                </a:solidFill>
+              </a:rPr>
               <a:t> и кол-ву посещений</a:t>
             </a:r>
           </a:p>
           <a:p>
             <a:pPr algn="ctr"/>
-            <a:r>
-              <a:rPr lang="ru-RU" dirty="0" smtClean="0"/>
-              <a:t>(получены методом </a:t>
-            </a:r>
-            <a:r>
-              <a:rPr lang="en-US" dirty="0" err="1" smtClean="0"/>
-              <a:t>KMeans</a:t>
-            </a:r>
-            <a:r>
-              <a:rPr lang="ru-RU" dirty="0" smtClean="0"/>
-              <a:t> для </a:t>
-            </a:r>
-            <a:r>
-              <a:rPr lang="ru-RU" dirty="0" err="1" smtClean="0"/>
-              <a:t>нестандартизированных</a:t>
-            </a:r>
-            <a:r>
-              <a:rPr lang="ru-RU" dirty="0" smtClean="0"/>
-              <a:t> данных)</a:t>
-            </a:r>
+            <a:endParaRPr lang="ru-RU" sz="1400" b="1" dirty="0" smtClean="0">
+              <a:solidFill>
+                <a:schemeClr val="tx2"/>
+              </a:solidFill>
+            </a:endParaRPr>
           </a:p>
           <a:p>
             <a:pPr algn="ctr"/>
-            <a:endParaRPr lang="ru-RU" b="1" dirty="0" smtClean="0"/>
-          </a:p>
-          <a:p>
-            <a:pPr algn="ctr"/>
-            <a:endParaRPr lang="ru-RU" b="1" dirty="0"/>
-          </a:p>
-          <a:p>
-            <a:pPr algn="ctr"/>
-            <a:endParaRPr lang="ru-RU" b="1" dirty="0"/>
-          </a:p>
-          <a:p>
-            <a:pPr algn="just"/>
-            <a:r>
-              <a:rPr lang="ru-RU" dirty="0" smtClean="0"/>
-              <a:t>Средние </a:t>
-            </a:r>
-            <a:r>
-              <a:rPr lang="ru-RU" dirty="0"/>
-              <a:t>цифры </a:t>
-            </a:r>
-            <a:r>
-              <a:rPr lang="ru-RU" dirty="0" smtClean="0"/>
-              <a:t>таковы:</a:t>
-            </a:r>
-          </a:p>
-          <a:p>
-            <a:pPr algn="just"/>
-            <a:endParaRPr lang="ru-RU" dirty="0"/>
-          </a:p>
+            <a:endParaRPr lang="ru-RU" sz="1400" b="1" dirty="0">
+              <a:solidFill>
+                <a:schemeClr val="tx2"/>
+              </a:solidFill>
+            </a:endParaRPr>
+          </a:p>
+        </p:txBody>
+      </p:sp>
+      <p:pic>
+        <p:nvPicPr>
+          <p:cNvPr id="2" name="Рисунок 1"/>
+          <p:cNvPicPr preferRelativeResize="0">
+            <a:picLocks/>
+          </p:cNvPicPr>
+          <p:nvPr/>
+        </p:nvPicPr>
+        <p:blipFill rotWithShape="1">
+          <a:blip r:embed="rId2">
+            <a:extLst>
+              <a:ext uri="{28A0092B-C50C-407E-A947-70E740481C1C}">
+                <a14:useLocalDpi xmlns:a14="http://schemas.microsoft.com/office/drawing/2010/main" val="0"/>
+              </a:ext>
+            </a:extLst>
+          </a:blip>
+          <a:srcRect t="5450" r="1478"/>
+          <a:stretch/>
+        </p:blipFill>
+        <p:spPr>
+          <a:xfrm>
+            <a:off x="323528" y="658799"/>
+            <a:ext cx="8467200" cy="6084000"/>
+          </a:xfrm>
+          <a:prstGeom prst="rect">
+            <a:avLst/>
+          </a:prstGeom>
+        </p:spPr>
+      </p:pic>
+      <p:sp>
+        <p:nvSpPr>
+          <p:cNvPr id="3" name="TextBox 2"/>
+          <p:cNvSpPr txBox="1"/>
+          <p:nvPr/>
+        </p:nvSpPr>
+        <p:spPr>
+          <a:xfrm>
+            <a:off x="2339752" y="1123350"/>
+            <a:ext cx="5616624" cy="2462213"/>
+          </a:xfrm>
+          <a:prstGeom prst="rect">
+            <a:avLst/>
+          </a:prstGeom>
+          <a:noFill/>
+        </p:spPr>
+        <p:txBody>
+          <a:bodyPr wrap="square" rtlCol="0">
+            <a:spAutoFit/>
+          </a:bodyPr>
+          <a:lstStyle/>
           <a:p>
             <a:pPr marL="285750" indent="-285750" algn="just">
               <a:buFont typeface="Arial" pitchFamily="34" charset="0"/>
               <a:buChar char="•"/>
             </a:pPr>
             <a:r>
-              <a:rPr lang="ru-RU" dirty="0"/>
+              <a:rPr lang="ru-RU" sz="1400" dirty="0">
+                <a:solidFill>
+                  <a:schemeClr val="tx2"/>
+                </a:solidFill>
+              </a:rPr>
               <a:t>1-й кластер (13476 клиентов): Посещений 1,25 раз в месяц и ARPU 1895 руб. Пол: поровну мужчин и девушек.</a:t>
             </a:r>
           </a:p>
           <a:p>
             <a:pPr algn="just"/>
             <a:r>
-              <a:rPr lang="ru-RU" dirty="0"/>
+              <a:rPr lang="ru-RU" sz="1400" dirty="0">
+                <a:solidFill>
+                  <a:schemeClr val="tx2"/>
+                </a:solidFill>
+              </a:rPr>
               <a:t> </a:t>
             </a:r>
           </a:p>
@@ -5562,62 +5672,63 @@
               <a:buChar char="•"/>
             </a:pPr>
             <a:r>
-              <a:rPr lang="ru-RU" dirty="0"/>
+              <a:rPr lang="ru-RU" sz="1400" dirty="0">
+                <a:solidFill>
+                  <a:schemeClr val="tx2"/>
+                </a:solidFill>
+              </a:rPr>
               <a:t>2-й кластер (2101 клиент): Посещений 2,57 раз в месяц и ARPU 8027 руб. Пол: чаще мужчины, чем девушки. </a:t>
             </a:r>
-            <a:endParaRPr lang="ru-RU" dirty="0" smtClean="0"/>
           </a:p>
           <a:p>
             <a:pPr algn="just"/>
             <a:r>
-              <a:rPr lang="ru-RU" dirty="0"/>
-              <a:t> </a:t>
-            </a:r>
-            <a:r>
-              <a:rPr lang="ru-RU" dirty="0" smtClean="0"/>
-              <a:t>      </a:t>
+              <a:rPr lang="ru-RU" sz="1400" dirty="0">
+                <a:solidFill>
+                  <a:schemeClr val="tx2"/>
+                </a:solidFill>
+              </a:rPr>
+              <a:t>       </a:t>
             </a:r>
           </a:p>
           <a:p>
             <a:pPr algn="just"/>
             <a:r>
-              <a:rPr lang="ru-RU" dirty="0" smtClean="0"/>
-              <a:t>       Во </a:t>
-            </a:r>
-            <a:r>
-              <a:rPr lang="ru-RU" dirty="0"/>
-              <a:t>2-м кластере посещений на 1 человека в 2 раза больше, при этом непропорционально больше заказывается "Коктейлей для друзей" (куда входят 3 порции), Лонгов (=коктейлей), Пива для друзей (3 порции в наборе), Крепкий алкоголь и </a:t>
-            </a:r>
-            <a:r>
-              <a:rPr lang="ru-RU" dirty="0" smtClean="0"/>
-              <a:t>Холодные </a:t>
-            </a:r>
-            <a:r>
-              <a:rPr lang="ru-RU" dirty="0"/>
-              <a:t>напитки (к нему же), Сетов. </a:t>
-            </a:r>
-            <a:r>
-              <a:rPr lang="ru-RU" b="1" dirty="0" smtClean="0"/>
-              <a:t>Это </a:t>
-            </a:r>
-            <a:r>
-              <a:rPr lang="ru-RU" b="1" dirty="0"/>
-              <a:t>более компанейский вариант посещения</a:t>
-            </a:r>
-            <a:r>
-              <a:rPr lang="ru-RU" dirty="0"/>
+              <a:rPr lang="ru-RU" sz="1400" dirty="0">
+                <a:solidFill>
+                  <a:schemeClr val="tx2"/>
+                </a:solidFill>
+              </a:rPr>
+              <a:t>       Во 2-м кластере посещений на 1 человека в 2 раза больше, при этом непропорционально больше заказывается "Коктейлей для друзей" (куда входят 3 порции), Лонгов (=коктейлей), Пива для друзей (3 порции в наборе), Крепкий алкоголь и Холодные напитки (к нему же), Сетов. </a:t>
+            </a:r>
+            <a:r>
+              <a:rPr lang="ru-RU" sz="1400" b="1" dirty="0">
+                <a:solidFill>
+                  <a:schemeClr val="tx2"/>
+                </a:solidFill>
+              </a:rPr>
+              <a:t>Это более компанейский вариант посещения</a:t>
+            </a:r>
+            <a:r>
+              <a:rPr lang="ru-RU" sz="1400" dirty="0" smtClean="0">
+                <a:solidFill>
+                  <a:schemeClr val="tx2"/>
+                </a:solidFill>
+              </a:rPr>
               <a:t>.</a:t>
             </a:r>
-          </a:p>
-          <a:p>
-            <a:endParaRPr lang="ru-RU" dirty="0"/>
+            <a:endParaRPr lang="ru-RU" sz="1400" dirty="0">
+              <a:solidFill>
+                <a:schemeClr val="tx2"/>
+              </a:solidFill>
+            </a:endParaRPr>
           </a:p>
         </p:txBody>
       </p:sp>
     </p:spTree>
     <p:extLst>
       <p:ext uri="{BB962C8B-B14F-4D97-AF65-F5344CB8AC3E}">
-        <p14:creationId xmlns:p14="http://schemas.microsoft.com/office/powerpoint/2010/main" val="3415484925"/>
+        <p14:creationId xmlns:p14="http://schemas.microsoft.com/office/powerpoint/2010/main" val="2735004161"/>
       </p:ext>
     </p:extLst>
   </p:cSld>
@@ -5889,231 +6000,227 @@
           </a:bodyPr>
           <a:lstStyle/>
           <a:p>
-            <a:pPr algn="ctr"/>
-            <a:r>
-              <a:rPr lang="ru-RU" b="1" dirty="0" smtClean="0"/>
-              <a:t>4 кластера нормализованных данных </a:t>
-            </a:r>
-          </a:p>
-          <a:p>
-            <a:pPr algn="ctr"/>
-            <a:r>
-              <a:rPr lang="ru-RU" b="1" dirty="0" smtClean="0"/>
-              <a:t>с </a:t>
-            </a:r>
-            <a:r>
-              <a:rPr lang="ru-RU" b="1" dirty="0"/>
-              <a:t>жёсткой разбивкой по полу (</a:t>
-            </a:r>
-            <a:r>
-              <a:rPr lang="ru-RU" b="1" dirty="0" smtClean="0"/>
-              <a:t>м/ж) и дню недели посещения</a:t>
-            </a:r>
-            <a:endParaRPr lang="ru-RU" b="1" dirty="0"/>
-          </a:p>
-          <a:p>
-            <a:pPr algn="just"/>
+            <a:pPr lvl="0" algn="just"/>
             <a:endParaRPr lang="ru-RU" dirty="0" smtClean="0"/>
           </a:p>
           <a:p>
-            <a:pPr algn="just"/>
-            <a:r>
-              <a:rPr lang="ru-RU" dirty="0"/>
-              <a:t> </a:t>
-            </a:r>
-            <a:r>
-              <a:rPr lang="ru-RU" dirty="0" smtClean="0"/>
-              <a:t>Методом </a:t>
-            </a:r>
-            <a:r>
-              <a:rPr lang="en-US" dirty="0" err="1" smtClean="0"/>
-              <a:t>Kmeans</a:t>
-            </a:r>
-            <a:r>
-              <a:rPr lang="en-US" dirty="0" smtClean="0"/>
-              <a:t> </a:t>
-            </a:r>
-            <a:r>
-              <a:rPr lang="ru-RU" dirty="0" smtClean="0"/>
-              <a:t>получаем 4 кластера:</a:t>
-            </a:r>
-          </a:p>
-          <a:p>
-            <a:pPr algn="just"/>
+            <a:pPr lvl="0" algn="just"/>
+            <a:endParaRPr lang="ru-RU" dirty="0"/>
+          </a:p>
+          <a:p>
+            <a:pPr lvl="0" algn="just"/>
             <a:endParaRPr lang="ru-RU" dirty="0" smtClean="0"/>
           </a:p>
           <a:p>
-            <a:pPr marL="285750" lvl="0" indent="-285750" algn="just">
-              <a:buFont typeface="Arial" pitchFamily="34" charset="0"/>
-              <a:buChar char="•"/>
-            </a:pPr>
-            <a:r>
-              <a:rPr lang="ru-RU" b="1" dirty="0" smtClean="0"/>
-              <a:t>Мужчины </a:t>
-            </a:r>
-            <a:r>
-              <a:rPr lang="ru-RU" b="1" dirty="0"/>
-              <a:t>(кластеры номер 2 и 4):</a:t>
-            </a:r>
-          </a:p>
-          <a:p>
-            <a:pPr algn="just"/>
-            <a:r>
-              <a:rPr lang="ru-RU" dirty="0" smtClean="0"/>
-              <a:t>       Количество </a:t>
-            </a:r>
-            <a:r>
-              <a:rPr lang="ru-RU" dirty="0"/>
-              <a:t>клиентов соответственно 5836 и 2180. За 1 месяц они в среднем тратят соответственно 2497 руб. за 1,33 посещений или же 3863 руб. за 1,85 посещений. </a:t>
-            </a:r>
+            <a:pPr lvl="0" algn="just"/>
             <a:endParaRPr lang="ru-RU" dirty="0" smtClean="0"/>
           </a:p>
           <a:p>
-            <a:pPr algn="just"/>
-            <a:r>
-              <a:rPr lang="ru-RU" dirty="0"/>
-              <a:t> </a:t>
-            </a:r>
-            <a:r>
-              <a:rPr lang="ru-RU" dirty="0" smtClean="0"/>
-              <a:t>      Клиенты </a:t>
-            </a:r>
-            <a:r>
-              <a:rPr lang="ru-RU" dirty="0"/>
-              <a:t>с более высокими расходами непропорционально больше заказывают "Коктейли для друзей" (3 порции в одном наборе), Кальянов; меньше подпадают под Акции и меньше заказывают Бизнес-</a:t>
-            </a:r>
-            <a:r>
-              <a:rPr lang="ru-RU" dirty="0" err="1"/>
-              <a:t>Ланчей</a:t>
-            </a:r>
-            <a:r>
-              <a:rPr lang="ru-RU" dirty="0"/>
-              <a:t>. Это сценарий посещения в </a:t>
-            </a:r>
-            <a:r>
-              <a:rPr lang="ru-RU" dirty="0" err="1"/>
-              <a:t>прайм</a:t>
-            </a:r>
-            <a:r>
-              <a:rPr lang="ru-RU" dirty="0"/>
-              <a:t>-тайм </a:t>
-            </a:r>
-            <a:r>
-              <a:rPr lang="ru-RU" b="1" dirty="0"/>
-              <a:t>в календарную субботу</a:t>
-            </a:r>
-            <a:r>
-              <a:rPr lang="ru-RU" dirty="0"/>
-              <a:t> (это может быть также ночное время </a:t>
-            </a:r>
-            <a:r>
-              <a:rPr lang="ru-RU" dirty="0" err="1"/>
-              <a:t>пт</a:t>
-            </a:r>
-            <a:r>
-              <a:rPr lang="ru-RU" dirty="0"/>
-              <a:t>/</a:t>
-            </a:r>
-            <a:r>
-              <a:rPr lang="ru-RU" dirty="0" err="1"/>
-              <a:t>сб</a:t>
-            </a:r>
-            <a:r>
-              <a:rPr lang="ru-RU" dirty="0"/>
-              <a:t> и </a:t>
-            </a:r>
-            <a:r>
-              <a:rPr lang="ru-RU" dirty="0" err="1"/>
-              <a:t>сб</a:t>
-            </a:r>
-            <a:r>
-              <a:rPr lang="ru-RU" dirty="0"/>
-              <a:t>/</a:t>
-            </a:r>
-            <a:r>
-              <a:rPr lang="ru-RU" dirty="0" err="1"/>
-              <a:t>вс</a:t>
-            </a:r>
-            <a:r>
-              <a:rPr lang="ru-RU" dirty="0" smtClean="0"/>
-              <a:t>).</a:t>
-            </a:r>
-          </a:p>
-          <a:p>
-            <a:pPr algn="just"/>
+            <a:pPr lvl="0" algn="just"/>
             <a:endParaRPr lang="ru-RU" dirty="0"/>
           </a:p>
-          <a:p>
-            <a:pPr marL="285750" lvl="0" indent="-285750" algn="just">
-              <a:buFont typeface="Arial" pitchFamily="34" charset="0"/>
-              <a:buChar char="•"/>
-            </a:pPr>
-            <a:r>
-              <a:rPr lang="ru-RU" b="1" dirty="0" smtClean="0"/>
-              <a:t>Девушки </a:t>
-            </a:r>
-            <a:r>
-              <a:rPr lang="ru-RU" b="1" dirty="0"/>
-              <a:t>(номер 1 и 3):</a:t>
-            </a:r>
-          </a:p>
-          <a:p>
-            <a:pPr algn="just"/>
-            <a:r>
-              <a:rPr lang="ru-RU" dirty="0" smtClean="0"/>
-              <a:t>       Количество </a:t>
-            </a:r>
-            <a:r>
-              <a:rPr lang="ru-RU" dirty="0"/>
-              <a:t>клиентов соответственно 1546 и 6015. За 1 месяц они в среднем тратят соответственно 3286 руб. за 1,76 посещений или же 2383 руб. за 1,29 посещений. </a:t>
-            </a:r>
-            <a:endParaRPr lang="ru-RU" dirty="0" smtClean="0"/>
-          </a:p>
-          <a:p>
-            <a:pPr algn="just"/>
-            <a:r>
-              <a:rPr lang="ru-RU" dirty="0"/>
-              <a:t> </a:t>
-            </a:r>
-            <a:r>
-              <a:rPr lang="ru-RU" dirty="0" smtClean="0"/>
-              <a:t>      Клиенты </a:t>
-            </a:r>
-            <a:r>
-              <a:rPr lang="ru-RU" dirty="0"/>
-              <a:t>с более высокими расходами непропорционально больше заказывают "Пиво для друзей" (3 порции в одном наборе), Крепкий алкоголь, Супы, Вино (в бутылках), Напитки TO GO (с собой), Бизнес-Ланч; меньше подпадают под Акции. Это сценарий посещения в </a:t>
-            </a:r>
-            <a:r>
-              <a:rPr lang="ru-RU" dirty="0" err="1"/>
-              <a:t>прайм</a:t>
-            </a:r>
-            <a:r>
-              <a:rPr lang="ru-RU" dirty="0"/>
-              <a:t>-тайм </a:t>
-            </a:r>
-            <a:r>
-              <a:rPr lang="ru-RU" b="1" dirty="0"/>
-              <a:t>в календарную пятницу</a:t>
-            </a:r>
-            <a:r>
-              <a:rPr lang="ru-RU" dirty="0"/>
-              <a:t>.</a:t>
-            </a:r>
-          </a:p>
-          <a:p>
-            <a:pPr algn="just"/>
-            <a:endParaRPr lang="ru-RU" b="1" dirty="0" smtClean="0"/>
-          </a:p>
-          <a:p>
-            <a:pPr algn="just"/>
-            <a:endParaRPr lang="ru-RU" dirty="0" smtClean="0"/>
+        </p:txBody>
+      </p:sp>
+      <p:pic>
+        <p:nvPicPr>
+          <p:cNvPr id="2" name="Рисунок 1"/>
+          <p:cNvPicPr preferRelativeResize="0">
+            <a:picLocks/>
+          </p:cNvPicPr>
+          <p:nvPr/>
+        </p:nvPicPr>
+        <p:blipFill rotWithShape="1">
+          <a:blip r:embed="rId2">
+            <a:extLst>
+              <a:ext uri="{28A0092B-C50C-407E-A947-70E740481C1C}">
+                <a14:useLocalDpi xmlns:a14="http://schemas.microsoft.com/office/drawing/2010/main" val="0"/>
+              </a:ext>
+            </a:extLst>
+          </a:blip>
+          <a:srcRect l="-2026" t="51522"/>
+          <a:stretch/>
+        </p:blipFill>
+        <p:spPr>
+          <a:xfrm>
+            <a:off x="5632" y="476674"/>
+            <a:ext cx="8467200" cy="3648699"/>
+          </a:xfrm>
+          <a:prstGeom prst="rect">
+            <a:avLst/>
+          </a:prstGeom>
+        </p:spPr>
+      </p:pic>
+      <p:pic>
+        <p:nvPicPr>
+          <p:cNvPr id="3" name="Рисунок 2"/>
+          <p:cNvPicPr>
+            <a:picLocks noChangeAspect="1"/>
+          </p:cNvPicPr>
+          <p:nvPr/>
+        </p:nvPicPr>
+        <p:blipFill>
+          <a:blip r:embed="rId3">
+            <a:extLst>
+              <a:ext uri="{28A0092B-C50C-407E-A947-70E740481C1C}">
+                <a14:useLocalDpi xmlns:a14="http://schemas.microsoft.com/office/drawing/2010/main" val="0"/>
+              </a:ext>
+            </a:extLst>
+          </a:blip>
+          <a:stretch>
+            <a:fillRect/>
+          </a:stretch>
+        </p:blipFill>
+        <p:spPr>
+          <a:xfrm>
+            <a:off x="480347" y="4125158"/>
+            <a:ext cx="4012496" cy="2635368"/>
+          </a:xfrm>
+          <a:prstGeom prst="rect">
+            <a:avLst/>
+          </a:prstGeom>
+        </p:spPr>
+      </p:pic>
+      <p:sp>
+        <p:nvSpPr>
+          <p:cNvPr id="4" name="TextBox 3"/>
+          <p:cNvSpPr txBox="1"/>
+          <p:nvPr/>
+        </p:nvSpPr>
+        <p:spPr>
+          <a:xfrm>
+            <a:off x="1979712" y="188640"/>
+            <a:ext cx="4104456" cy="307777"/>
+          </a:xfrm>
+          <a:prstGeom prst="rect">
+            <a:avLst/>
+          </a:prstGeom>
+          <a:noFill/>
+        </p:spPr>
+        <p:txBody>
+          <a:bodyPr wrap="square" rtlCol="0">
+            <a:spAutoFit/>
+          </a:bodyPr>
+          <a:lstStyle/>
+          <a:p>
+            <a:r>
+              <a:rPr lang="ru-RU" sz="1400" b="1" dirty="0" err="1" smtClean="0">
+                <a:solidFill>
+                  <a:schemeClr val="tx2"/>
+                </a:solidFill>
+              </a:rPr>
+              <a:t>Нестандартизированнные</a:t>
+            </a:r>
+            <a:r>
+              <a:rPr lang="ru-RU" sz="1400" b="1" dirty="0" smtClean="0">
+                <a:solidFill>
+                  <a:schemeClr val="tx2"/>
+                </a:solidFill>
+              </a:rPr>
+              <a:t> данные, 3 кластера</a:t>
+            </a:r>
+            <a:endParaRPr lang="ru-RU" sz="1400" b="1" dirty="0">
+              <a:solidFill>
+                <a:schemeClr val="tx2"/>
+              </a:solidFill>
+            </a:endParaRPr>
+          </a:p>
+        </p:txBody>
+      </p:sp>
+      <p:sp>
+        <p:nvSpPr>
+          <p:cNvPr id="6" name="TextBox 5"/>
+          <p:cNvSpPr txBox="1"/>
+          <p:nvPr/>
+        </p:nvSpPr>
+        <p:spPr>
+          <a:xfrm>
+            <a:off x="4572000" y="4509120"/>
+            <a:ext cx="2232248" cy="1384995"/>
+          </a:xfrm>
+          <a:prstGeom prst="rect">
+            <a:avLst/>
+          </a:prstGeom>
+          <a:noFill/>
+        </p:spPr>
+        <p:txBody>
+          <a:bodyPr wrap="square" rtlCol="0">
+            <a:spAutoFit/>
+          </a:bodyPr>
+          <a:lstStyle/>
+          <a:p>
+            <a:r>
+              <a:rPr lang="ru-RU" sz="1400" dirty="0" smtClean="0">
+                <a:solidFill>
+                  <a:schemeClr val="tx2"/>
+                </a:solidFill>
+              </a:rPr>
+              <a:t>Распределения стабильны</a:t>
+            </a:r>
+            <a:endParaRPr lang="ru-RU" sz="1400" dirty="0">
+              <a:solidFill>
+                <a:schemeClr val="tx2"/>
+              </a:solidFill>
+            </a:endParaRPr>
+          </a:p>
+          <a:p>
+            <a:r>
+              <a:rPr lang="ru-RU" sz="1400" dirty="0" smtClean="0">
+                <a:solidFill>
+                  <a:schemeClr val="tx2"/>
+                </a:solidFill>
+              </a:rPr>
+              <a:t>по </a:t>
+            </a:r>
+            <a:r>
+              <a:rPr lang="en-US" sz="1400" dirty="0" smtClean="0">
+                <a:solidFill>
+                  <a:schemeClr val="tx2"/>
+                </a:solidFill>
+              </a:rPr>
+              <a:t>ARPU</a:t>
+            </a:r>
+            <a:r>
+              <a:rPr lang="ru-RU" sz="1400" dirty="0" smtClean="0">
+                <a:solidFill>
+                  <a:schemeClr val="tx2"/>
+                </a:solidFill>
+              </a:rPr>
+              <a:t>, </a:t>
+            </a:r>
+          </a:p>
+          <a:p>
+            <a:r>
+              <a:rPr lang="ru-RU" sz="1400" dirty="0" smtClean="0">
+                <a:solidFill>
+                  <a:schemeClr val="tx2"/>
+                </a:solidFill>
+              </a:rPr>
+              <a:t>Сетам (алкогольным).</a:t>
+            </a:r>
+          </a:p>
+          <a:p>
+            <a:endParaRPr lang="ru-RU" sz="1400" dirty="0" smtClean="0">
+              <a:solidFill>
+                <a:schemeClr val="tx2"/>
+              </a:solidFill>
+            </a:endParaRPr>
+          </a:p>
+          <a:p>
+            <a:r>
+              <a:rPr lang="ru-RU" sz="1400" dirty="0" smtClean="0">
+                <a:solidFill>
+                  <a:schemeClr val="tx2"/>
+                </a:solidFill>
+              </a:rPr>
+              <a:t>И есть отличие между кластерами</a:t>
+            </a:r>
           </a:p>
         </p:txBody>
       </p:sp>
     </p:spTree>
     <p:extLst>
       <p:ext uri="{BB962C8B-B14F-4D97-AF65-F5344CB8AC3E}">
-        <p14:creationId xmlns:p14="http://schemas.microsoft.com/office/powerpoint/2010/main" val="360443872"/>
+        <p14:creationId xmlns:p14="http://schemas.microsoft.com/office/powerpoint/2010/main" val="3030561304"/>
       </p:ext>
     </p:extLst>
   </p:cSld>
@@ -6171,65 +6278,212 @@
           <a:p>
             <a:pPr algn="ctr"/>
             <a:r>
+              <a:rPr lang="ru-RU" b="1" dirty="0" smtClean="0"/>
+              <a:t>4 кластера нормализованных данных </a:t>
+            </a:r>
+          </a:p>
+          <a:p>
+            <a:pPr algn="ctr"/>
+            <a:r>
+              <a:rPr lang="ru-RU" b="1" dirty="0" smtClean="0"/>
+              <a:t>с </a:t>
+            </a:r>
+            <a:r>
               <a:rPr lang="ru-RU" b="1" dirty="0"/>
-              <a:t>Для нормализованных данных </a:t>
-            </a:r>
+              <a:t>жёсткой разбивкой по полу (</a:t>
+            </a:r>
+            <a:r>
+              <a:rPr lang="ru-RU" b="1" dirty="0" smtClean="0"/>
+              <a:t>м/ж) и дню недели посещения</a:t>
+            </a:r>
+            <a:endParaRPr lang="ru-RU" b="1" dirty="0"/>
+          </a:p>
+          <a:p>
+            <a:pPr algn="just"/>
+            <a:endParaRPr lang="ru-RU" dirty="0" smtClean="0"/>
+          </a:p>
+          <a:p>
+            <a:pPr algn="just"/>
+            <a:r>
+              <a:rPr lang="ru-RU" dirty="0"/>
+              <a:t> </a:t>
+            </a:r>
+            <a:r>
+              <a:rPr lang="ru-RU" dirty="0" smtClean="0"/>
+              <a:t>Методом </a:t>
+            </a:r>
+            <a:r>
+              <a:rPr lang="en-US" dirty="0" err="1" smtClean="0"/>
+              <a:t>Kmeans</a:t>
+            </a:r>
+            <a:r>
+              <a:rPr lang="en-US" dirty="0" smtClean="0"/>
+              <a:t> </a:t>
+            </a:r>
+            <a:r>
+              <a:rPr lang="ru-RU" dirty="0" smtClean="0"/>
+              <a:t>получаем 4 кластера:</a:t>
+            </a:r>
+          </a:p>
+          <a:p>
+            <a:pPr algn="just"/>
+            <a:endParaRPr lang="ru-RU" dirty="0" smtClean="0"/>
+          </a:p>
+          <a:p>
+            <a:pPr marL="285750" lvl="0" indent="-285750" algn="just">
+              <a:buFont typeface="Arial" pitchFamily="34" charset="0"/>
+              <a:buChar char="•"/>
+            </a:pPr>
+            <a:r>
+              <a:rPr lang="ru-RU" b="1" dirty="0" smtClean="0"/>
+              <a:t>Мужчины:</a:t>
+            </a:r>
+            <a:endParaRPr lang="ru-RU" b="1" dirty="0"/>
+          </a:p>
+          <a:p>
+            <a:pPr algn="just"/>
+            <a:r>
+              <a:rPr lang="ru-RU" dirty="0" smtClean="0"/>
+              <a:t>       Количество </a:t>
+            </a:r>
+            <a:r>
+              <a:rPr lang="ru-RU" dirty="0"/>
+              <a:t>клиентов соответственно 5836 и 2180. За 1 месяц они в среднем тратят соответственно 2497 руб. за 1,33 посещений или же 3863 руб. за 1,85 посещений. </a:t>
+            </a:r>
+            <a:endParaRPr lang="ru-RU" dirty="0" smtClean="0"/>
+          </a:p>
+          <a:p>
+            <a:pPr algn="just"/>
+            <a:r>
+              <a:rPr lang="ru-RU" dirty="0"/>
+              <a:t> </a:t>
+            </a:r>
+            <a:r>
+              <a:rPr lang="ru-RU" dirty="0" smtClean="0"/>
+              <a:t>      Клиенты </a:t>
+            </a:r>
+            <a:r>
+              <a:rPr lang="ru-RU" dirty="0"/>
+              <a:t>с более высокими расходами непропорционально больше заказывают "Коктейли для друзей" (3 порции в одном наборе), Кальянов; меньше подпадают под Акции и меньше заказывают Бизнес-</a:t>
+            </a:r>
+            <a:r>
+              <a:rPr lang="ru-RU" dirty="0" err="1"/>
+              <a:t>Ланчей</a:t>
+            </a:r>
+            <a:r>
+              <a:rPr lang="ru-RU" dirty="0"/>
+              <a:t>. Это сценарий посещения в </a:t>
+            </a:r>
+            <a:r>
+              <a:rPr lang="ru-RU" dirty="0" err="1"/>
+              <a:t>прайм</a:t>
+            </a:r>
+            <a:r>
+              <a:rPr lang="ru-RU" dirty="0"/>
+              <a:t>-тайм </a:t>
+            </a:r>
+            <a:r>
+              <a:rPr lang="ru-RU" b="1" dirty="0"/>
+              <a:t>в календарную субботу</a:t>
+            </a:r>
+            <a:r>
+              <a:rPr lang="ru-RU" dirty="0"/>
+              <a:t> (это может быть также ночное время </a:t>
+            </a:r>
+            <a:r>
+              <a:rPr lang="ru-RU" dirty="0" err="1"/>
+              <a:t>пт</a:t>
+            </a:r>
+            <a:r>
+              <a:rPr lang="ru-RU" dirty="0"/>
+              <a:t>/</a:t>
+            </a:r>
+            <a:r>
+              <a:rPr lang="ru-RU" dirty="0" err="1"/>
+              <a:t>сб</a:t>
+            </a:r>
+            <a:r>
+              <a:rPr lang="ru-RU" dirty="0"/>
+              <a:t> и </a:t>
+            </a:r>
+            <a:r>
+              <a:rPr lang="ru-RU" dirty="0" err="1"/>
+              <a:t>сб</a:t>
+            </a:r>
+            <a:r>
+              <a:rPr lang="ru-RU" dirty="0"/>
+              <a:t>/</a:t>
+            </a:r>
+            <a:r>
+              <a:rPr lang="ru-RU" dirty="0" err="1"/>
+              <a:t>вс</a:t>
+            </a:r>
+            <a:r>
+              <a:rPr lang="ru-RU" dirty="0" smtClean="0"/>
+              <a:t>).</a:t>
+            </a:r>
+          </a:p>
+          <a:p>
+            <a:pPr algn="just"/>
+            <a:endParaRPr lang="ru-RU" dirty="0"/>
+          </a:p>
+          <a:p>
+            <a:pPr marL="285750" lvl="0" indent="-285750" algn="just">
+              <a:buFont typeface="Arial" pitchFamily="34" charset="0"/>
+              <a:buChar char="•"/>
+            </a:pPr>
+            <a:r>
+              <a:rPr lang="ru-RU" b="1" dirty="0" smtClean="0"/>
+              <a:t>Девушки:</a:t>
+            </a:r>
+            <a:endParaRPr lang="ru-RU" b="1" dirty="0"/>
+          </a:p>
+          <a:p>
+            <a:pPr algn="just"/>
+            <a:r>
+              <a:rPr lang="ru-RU" dirty="0" smtClean="0"/>
+              <a:t>       Количество </a:t>
+            </a:r>
+            <a:r>
+              <a:rPr lang="ru-RU" dirty="0"/>
+              <a:t>клиентов соответственно 1546 и 6015. За 1 месяц они в среднем тратят соответственно 3286 руб. за 1,76 посещений или же 2383 руб. за 1,29 посещений. </a:t>
+            </a:r>
+            <a:endParaRPr lang="ru-RU" dirty="0" smtClean="0"/>
+          </a:p>
+          <a:p>
+            <a:pPr algn="just"/>
+            <a:r>
+              <a:rPr lang="ru-RU" dirty="0"/>
+              <a:t> </a:t>
+            </a:r>
+            <a:r>
+              <a:rPr lang="ru-RU" dirty="0" smtClean="0"/>
+              <a:t>      Клиенты </a:t>
+            </a:r>
+            <a:r>
+              <a:rPr lang="ru-RU" dirty="0"/>
+              <a:t>с более высокими расходами непропорционально больше заказывают "Пиво для друзей" (3 порции в одном наборе), Крепкий алкоголь, Супы, Вино (в бутылках), Напитки TO GO (с собой), Бизнес-Ланч; меньше подпадают под Акции. Это сценарий посещения в </a:t>
+            </a:r>
+            <a:r>
+              <a:rPr lang="ru-RU" dirty="0" err="1"/>
+              <a:t>прайм</a:t>
+            </a:r>
+            <a:r>
+              <a:rPr lang="ru-RU" dirty="0"/>
+              <a:t>-тайм </a:t>
+            </a:r>
+            <a:r>
+              <a:rPr lang="ru-RU" b="1" dirty="0"/>
+              <a:t>в календарную пятницу</a:t>
+            </a:r>
+            <a:r>
+              <a:rPr lang="ru-RU" dirty="0"/>
+              <a:t>.</a:t>
+            </a:r>
+          </a:p>
+          <a:p>
+            <a:pPr algn="just"/>
             <a:endParaRPr lang="ru-RU" b="1" dirty="0" smtClean="0"/>
-          </a:p>
-          <a:p>
-            <a:pPr algn="ctr"/>
-            <a:r>
-              <a:rPr lang="ru-RU" b="1" dirty="0" smtClean="0"/>
-              <a:t>удобно рассмотреть разбиение на 2 кластера </a:t>
-            </a:r>
-            <a:endParaRPr lang="ru-RU" b="1" dirty="0"/>
-          </a:p>
-          <a:p>
-            <a:pPr algn="ctr"/>
-            <a:r>
-              <a:rPr lang="ru-RU" b="1" dirty="0"/>
-              <a:t>с жёсткой разбивкой по полу (м/ж</a:t>
-            </a:r>
-            <a:r>
-              <a:rPr lang="ru-RU" b="1" dirty="0" smtClean="0"/>
-              <a:t>)</a:t>
-            </a:r>
-            <a:endParaRPr lang="ru-RU" b="1" dirty="0"/>
-          </a:p>
-          <a:p>
-            <a:pPr lvl="0" algn="just"/>
-            <a:endParaRPr lang="ru-RU" dirty="0" smtClean="0"/>
-          </a:p>
-          <a:p>
-            <a:pPr lvl="0" algn="just"/>
-            <a:endParaRPr lang="ru-RU" dirty="0" smtClean="0"/>
-          </a:p>
-          <a:p>
-            <a:pPr lvl="0" algn="just"/>
-            <a:endParaRPr lang="ru-RU" dirty="0"/>
-          </a:p>
-          <a:p>
-            <a:pPr lvl="0" algn="just"/>
-            <a:endParaRPr lang="ru-RU" dirty="0" smtClean="0"/>
-          </a:p>
-          <a:p>
-            <a:pPr lvl="0" algn="just"/>
-            <a:endParaRPr lang="ru-RU" dirty="0" smtClean="0"/>
-          </a:p>
-          <a:p>
-            <a:pPr lvl="0" algn="just"/>
-            <a:endParaRPr lang="ru-RU" dirty="0"/>
-          </a:p>
-          <a:p>
-            <a:pPr lvl="0" algn="just"/>
-            <a:r>
-              <a:rPr lang="ru-RU" dirty="0" smtClean="0"/>
-              <a:t>       У </a:t>
-            </a:r>
-            <a:r>
-              <a:rPr lang="ru-RU" dirty="0"/>
-              <a:t>девушек выше спрос на вино, лонги (коктейли), роллы, салаты и десерты по сравнению с мужчинами, и меньше интерес к крепкому алкоголю и "пиву для друзей".</a:t>
-            </a:r>
           </a:p>
           <a:p>
             <a:pPr algn="just"/>
@@ -6240,7 +6494,7 @@
     </p:spTree>
     <p:extLst>
       <p:ext uri="{BB962C8B-B14F-4D97-AF65-F5344CB8AC3E}">
-        <p14:creationId xmlns:p14="http://schemas.microsoft.com/office/powerpoint/2010/main" val="873773295"/>
+        <p14:creationId xmlns:p14="http://schemas.microsoft.com/office/powerpoint/2010/main" val="360443872"/>
       </p:ext>
     </p:extLst>
   </p:cSld>
@@ -6296,6 +6550,381 @@
           </a:bodyPr>
           <a:lstStyle/>
           <a:p>
+            <a:pPr lvl="0" algn="just"/>
+            <a:endParaRPr lang="ru-RU" dirty="0" smtClean="0"/>
+          </a:p>
+          <a:p>
+            <a:pPr lvl="0" algn="just"/>
+            <a:endParaRPr lang="ru-RU" dirty="0"/>
+          </a:p>
+          <a:p>
+            <a:pPr lvl="0" algn="just"/>
+            <a:endParaRPr lang="ru-RU" dirty="0" smtClean="0"/>
+          </a:p>
+          <a:p>
+            <a:pPr lvl="0" algn="just"/>
+            <a:endParaRPr lang="ru-RU" dirty="0" smtClean="0"/>
+          </a:p>
+          <a:p>
+            <a:pPr lvl="0" algn="just"/>
+            <a:endParaRPr lang="ru-RU" dirty="0"/>
+          </a:p>
+        </p:txBody>
+      </p:sp>
+      <p:sp>
+        <p:nvSpPr>
+          <p:cNvPr id="4" name="TextBox 3"/>
+          <p:cNvSpPr txBox="1"/>
+          <p:nvPr/>
+        </p:nvSpPr>
+        <p:spPr>
+          <a:xfrm>
+            <a:off x="1547664" y="188640"/>
+            <a:ext cx="4392488" cy="523220"/>
+          </a:xfrm>
+          <a:prstGeom prst="rect">
+            <a:avLst/>
+          </a:prstGeom>
+          <a:noFill/>
+        </p:spPr>
+        <p:txBody>
+          <a:bodyPr wrap="square" rtlCol="0">
+            <a:spAutoFit/>
+          </a:bodyPr>
+          <a:lstStyle/>
+          <a:p>
+            <a:pPr algn="ctr"/>
+            <a:r>
+              <a:rPr lang="ru-RU" sz="1400" b="1" dirty="0" smtClean="0">
+                <a:solidFill>
+                  <a:schemeClr val="tx2"/>
+                </a:solidFill>
+              </a:rPr>
+              <a:t>Нормализованные данные, 4 кластера</a:t>
+            </a:r>
+          </a:p>
+          <a:p>
+            <a:pPr algn="ctr"/>
+            <a:r>
+              <a:rPr lang="ru-RU" sz="1400" b="1" dirty="0" smtClean="0">
+                <a:solidFill>
+                  <a:schemeClr val="tx2"/>
+                </a:solidFill>
+              </a:rPr>
+              <a:t>(кластеры 0 и 2 – девушки, кластеры 1 и 3 - мужчины)</a:t>
+            </a:r>
+            <a:endParaRPr lang="ru-RU" sz="1400" b="1" dirty="0">
+              <a:solidFill>
+                <a:schemeClr val="tx2"/>
+              </a:solidFill>
+            </a:endParaRPr>
+          </a:p>
+        </p:txBody>
+      </p:sp>
+      <p:pic>
+        <p:nvPicPr>
+          <p:cNvPr id="7" name="Рисунок 6"/>
+          <p:cNvPicPr preferRelativeResize="0">
+            <a:picLocks/>
+          </p:cNvPicPr>
+          <p:nvPr/>
+        </p:nvPicPr>
+        <p:blipFill rotWithShape="1">
+          <a:blip r:embed="rId2">
+            <a:extLst>
+              <a:ext uri="{28A0092B-C50C-407E-A947-70E740481C1C}">
+                <a14:useLocalDpi xmlns:a14="http://schemas.microsoft.com/office/drawing/2010/main" val="0"/>
+              </a:ext>
+            </a:extLst>
+          </a:blip>
+          <a:srcRect t="2575"/>
+          <a:stretch/>
+        </p:blipFill>
+        <p:spPr>
+          <a:xfrm>
+            <a:off x="323528" y="657225"/>
+            <a:ext cx="8468600" cy="6084142"/>
+          </a:xfrm>
+          <a:prstGeom prst="rect">
+            <a:avLst/>
+          </a:prstGeom>
+        </p:spPr>
+      </p:pic>
+    </p:spTree>
+    <p:extLst>
+      <p:ext uri="{BB962C8B-B14F-4D97-AF65-F5344CB8AC3E}">
+        <p14:creationId xmlns:p14="http://schemas.microsoft.com/office/powerpoint/2010/main" val="2693067274"/>
+      </p:ext>
+    </p:extLst>
+  </p:cSld>
+  <p:clrMapOvr>
+    <a:masterClrMapping/>
+  </p:clrMapOvr>
+  <p:timing>
+    <p:tnLst>
+      <p:par>
+        <p:cTn id="1" dur="indefinite" restart="never" nodeType="tmRoot"/>
+      </p:par>
+    </p:tnLst>
+  </p:timing>
+</p:sld>
+</file>
+
+<file path=ppt/slides/slide18.xml><?xml version="1.0" encoding="utf-8"?>
+<p:sld xmlns:a="http://schemas.openxmlformats.org/drawingml/2006/main" xmlns:r="http://schemas.openxmlformats.org/officeDocument/2006/relationships" xmlns:p="http://schemas.openxmlformats.org/presentationml/2006/main">
+  <p:cSld>
+    <p:spTree>
+      <p:nvGrpSpPr>
+        <p:cNvPr id="1" name=""/>
+        <p:cNvGrpSpPr/>
+        <p:nvPr/>
+      </p:nvGrpSpPr>
+      <p:grpSpPr>
+        <a:xfrm>
+          <a:off x="0" y="0"/>
+          <a:ext cx="0" cy="0"/>
+          <a:chOff x="0" y="0"/>
+          <a:chExt cx="0" cy="0"/>
+        </a:xfrm>
+      </p:grpSpPr>
+      <p:sp>
+        <p:nvSpPr>
+          <p:cNvPr id="5" name="Текст 4"/>
+          <p:cNvSpPr>
+            <a:spLocks noGrp="1"/>
+          </p:cNvSpPr>
+          <p:nvPr>
+            <p:ph type="body" sz="quarter" idx="13"/>
+          </p:nvPr>
+        </p:nvSpPr>
+        <p:spPr>
+          <a:xfrm>
+            <a:off x="457200" y="404664"/>
+            <a:ext cx="6131024" cy="6048672"/>
+          </a:xfrm>
+        </p:spPr>
+        <p:txBody>
+          <a:bodyPr>
+            <a:normAutofit/>
+          </a:bodyPr>
+          <a:lstStyle/>
+          <a:p>
+            <a:pPr lvl="0" algn="just"/>
+            <a:endParaRPr lang="ru-RU" dirty="0" smtClean="0"/>
+          </a:p>
+          <a:p>
+            <a:pPr lvl="0" algn="just"/>
+            <a:endParaRPr lang="ru-RU" dirty="0"/>
+          </a:p>
+          <a:p>
+            <a:pPr lvl="0" algn="just"/>
+            <a:endParaRPr lang="ru-RU" dirty="0" smtClean="0"/>
+          </a:p>
+          <a:p>
+            <a:pPr lvl="0" algn="just"/>
+            <a:endParaRPr lang="ru-RU" dirty="0" smtClean="0"/>
+          </a:p>
+          <a:p>
+            <a:pPr lvl="0" algn="just"/>
+            <a:endParaRPr lang="ru-RU" dirty="0"/>
+          </a:p>
+        </p:txBody>
+      </p:sp>
+      <p:sp>
+        <p:nvSpPr>
+          <p:cNvPr id="4" name="TextBox 3"/>
+          <p:cNvSpPr txBox="1"/>
+          <p:nvPr/>
+        </p:nvSpPr>
+        <p:spPr>
+          <a:xfrm>
+            <a:off x="755576" y="188640"/>
+            <a:ext cx="5544616" cy="523220"/>
+          </a:xfrm>
+          <a:prstGeom prst="rect">
+            <a:avLst/>
+          </a:prstGeom>
+          <a:noFill/>
+        </p:spPr>
+        <p:txBody>
+          <a:bodyPr wrap="square" rtlCol="0">
+            <a:spAutoFit/>
+          </a:bodyPr>
+          <a:lstStyle/>
+          <a:p>
+            <a:pPr algn="ctr"/>
+            <a:r>
+              <a:rPr lang="ru-RU" sz="1400" b="1" dirty="0" smtClean="0">
+                <a:solidFill>
+                  <a:schemeClr val="tx2"/>
+                </a:solidFill>
+              </a:rPr>
+              <a:t>Удобно рассмотреть нормализованные данные, разделённые </a:t>
+            </a:r>
+          </a:p>
+          <a:p>
+            <a:pPr algn="ctr"/>
+            <a:r>
+              <a:rPr lang="ru-RU" sz="1400" b="1" dirty="0" smtClean="0">
+                <a:solidFill>
+                  <a:schemeClr val="tx2"/>
+                </a:solidFill>
+              </a:rPr>
+              <a:t>на 2 кластера (кластер 0  – девушки, кластер 1 - мужчины)</a:t>
+            </a:r>
+            <a:endParaRPr lang="ru-RU" sz="1400" b="1" dirty="0">
+              <a:solidFill>
+                <a:schemeClr val="tx2"/>
+              </a:solidFill>
+            </a:endParaRPr>
+          </a:p>
+        </p:txBody>
+      </p:sp>
+      <p:pic>
+        <p:nvPicPr>
+          <p:cNvPr id="6" name="Рисунок 5"/>
+          <p:cNvPicPr preferRelativeResize="0">
+            <a:picLocks/>
+          </p:cNvPicPr>
+          <p:nvPr/>
+        </p:nvPicPr>
+        <p:blipFill rotWithShape="1">
+          <a:blip r:embed="rId2">
+            <a:extLst>
+              <a:ext uri="{28A0092B-C50C-407E-A947-70E740481C1C}">
+                <a14:useLocalDpi xmlns:a14="http://schemas.microsoft.com/office/drawing/2010/main" val="0"/>
+              </a:ext>
+            </a:extLst>
+          </a:blip>
+          <a:srcRect t="2365"/>
+          <a:stretch/>
+        </p:blipFill>
+        <p:spPr>
+          <a:xfrm>
+            <a:off x="324000" y="658800"/>
+            <a:ext cx="8467200" cy="6084000"/>
+          </a:xfrm>
+          <a:prstGeom prst="rect">
+            <a:avLst/>
+          </a:prstGeom>
+        </p:spPr>
+      </p:pic>
+      <p:sp>
+        <p:nvSpPr>
+          <p:cNvPr id="8" name="TextBox 7"/>
+          <p:cNvSpPr txBox="1"/>
+          <p:nvPr/>
+        </p:nvSpPr>
+        <p:spPr>
+          <a:xfrm>
+            <a:off x="2987824" y="1124744"/>
+            <a:ext cx="3420380" cy="1169551"/>
+          </a:xfrm>
+          <a:prstGeom prst="rect">
+            <a:avLst/>
+          </a:prstGeom>
+          <a:noFill/>
+        </p:spPr>
+        <p:txBody>
+          <a:bodyPr wrap="square" rtlCol="0">
+            <a:spAutoFit/>
+          </a:bodyPr>
+          <a:lstStyle/>
+          <a:p>
+            <a:r>
+              <a:rPr lang="ru-RU" sz="1400" dirty="0" smtClean="0">
+                <a:solidFill>
+                  <a:schemeClr val="tx2"/>
+                </a:solidFill>
+              </a:rPr>
+              <a:t>У </a:t>
+            </a:r>
+            <a:r>
+              <a:rPr lang="ru-RU" sz="1400" dirty="0">
+                <a:solidFill>
+                  <a:schemeClr val="tx2"/>
+                </a:solidFill>
+              </a:rPr>
+              <a:t>девушек выше спрос на вино, </a:t>
+            </a:r>
+            <a:r>
+              <a:rPr lang="ru-RU" sz="1400" dirty="0" err="1">
+                <a:solidFill>
+                  <a:schemeClr val="tx2"/>
+                </a:solidFill>
+              </a:rPr>
+              <a:t>лонги</a:t>
+            </a:r>
+            <a:r>
+              <a:rPr lang="ru-RU" sz="1400" dirty="0">
+                <a:solidFill>
+                  <a:schemeClr val="tx2"/>
+                </a:solidFill>
+              </a:rPr>
+              <a:t> (коктейли), роллы, салаты и десерты по сравнению с мужчинами, и меньше интерес к крепкому алкоголю и "пиву для друзей".</a:t>
+            </a:r>
+          </a:p>
+        </p:txBody>
+      </p:sp>
+    </p:spTree>
+    <p:extLst>
+      <p:ext uri="{BB962C8B-B14F-4D97-AF65-F5344CB8AC3E}">
+        <p14:creationId xmlns:p14="http://schemas.microsoft.com/office/powerpoint/2010/main" val="4226982670"/>
+      </p:ext>
+    </p:extLst>
+  </p:cSld>
+  <p:clrMapOvr>
+    <a:masterClrMapping/>
+  </p:clrMapOvr>
+  <p:timing>
+    <p:tnLst>
+      <p:par>
+        <p:cTn id="1" dur="indefinite" restart="never" nodeType="tmRoot"/>
+      </p:par>
+    </p:tnLst>
+  </p:timing>
+</p:sld>
+</file>
+
+<file path=ppt/slides/slide19.xml><?xml version="1.0" encoding="utf-8"?>
+<p:sld xmlns:a="http://schemas.openxmlformats.org/drawingml/2006/main" xmlns:r="http://schemas.openxmlformats.org/officeDocument/2006/relationships" xmlns:p="http://schemas.openxmlformats.org/presentationml/2006/main">
+  <p:cSld>
+    <p:spTree>
+      <p:nvGrpSpPr>
+        <p:cNvPr id="1" name=""/>
+        <p:cNvGrpSpPr/>
+        <p:nvPr/>
+      </p:nvGrpSpPr>
+      <p:grpSpPr>
+        <a:xfrm>
+          <a:off x="0" y="0"/>
+          <a:ext cx="0" cy="0"/>
+          <a:chOff x="0" y="0"/>
+          <a:chExt cx="0" cy="0"/>
+        </a:xfrm>
+      </p:grpSpPr>
+      <p:sp>
+        <p:nvSpPr>
+          <p:cNvPr id="5" name="Текст 4"/>
+          <p:cNvSpPr>
+            <a:spLocks noGrp="1"/>
+          </p:cNvSpPr>
+          <p:nvPr>
+            <p:ph type="body" sz="quarter" idx="13"/>
+          </p:nvPr>
+        </p:nvSpPr>
+        <p:spPr>
+          <a:xfrm>
+            <a:off x="457200" y="404664"/>
+            <a:ext cx="6131024" cy="6048672"/>
+          </a:xfrm>
+        </p:spPr>
+        <p:txBody>
+          <a:bodyPr>
+            <a:normAutofit/>
+          </a:bodyPr>
+          <a:lstStyle/>
+          <a:p>
             <a:pPr algn="ctr"/>
             <a:r>
               <a:rPr lang="ru-RU" b="1" dirty="0" smtClean="0"/>
@@ -6382,7 +7011,6 @@
               <a:rPr lang="ru-RU" dirty="0" smtClean="0"/>
               <a:t>кластера:</a:t>
             </a:r>
-            <a:endParaRPr lang="ru-RU" dirty="0" smtClean="0"/>
           </a:p>
           <a:p>
             <a:pPr lvl="0" algn="ctr"/>
@@ -6568,446 +7196,6 @@
 </p:sld>
 </file>
 
-<file path=ppt/slides/slide18.xml><?xml version="1.0" encoding="utf-8"?>
-<p:sld xmlns:a="http://schemas.openxmlformats.org/drawingml/2006/main" xmlns:r="http://schemas.openxmlformats.org/officeDocument/2006/relationships" xmlns:p="http://schemas.openxmlformats.org/presentationml/2006/main">
-  <p:cSld>
-    <p:spTree>
-      <p:nvGrpSpPr>
-        <p:cNvPr id="1" name=""/>
-        <p:cNvGrpSpPr/>
-        <p:nvPr/>
-      </p:nvGrpSpPr>
-      <p:grpSpPr>
-        <a:xfrm>
-          <a:off x="0" y="0"/>
-          <a:ext cx="0" cy="0"/>
-          <a:chOff x="0" y="0"/>
-          <a:chExt cx="0" cy="0"/>
-        </a:xfrm>
-      </p:grpSpPr>
-      <p:sp>
-        <p:nvSpPr>
-          <p:cNvPr id="5" name="Текст 4"/>
-          <p:cNvSpPr>
-            <a:spLocks noGrp="1"/>
-          </p:cNvSpPr>
-          <p:nvPr>
-            <p:ph type="body" sz="quarter" idx="13"/>
-          </p:nvPr>
-        </p:nvSpPr>
-        <p:spPr>
-          <a:xfrm>
-            <a:off x="457200" y="404664"/>
-            <a:ext cx="6131024" cy="6048672"/>
-          </a:xfrm>
-        </p:spPr>
-        <p:txBody>
-          <a:bodyPr>
-            <a:normAutofit/>
-          </a:bodyPr>
-          <a:lstStyle/>
-          <a:p>
-            <a:pPr algn="ctr"/>
-            <a:r>
-              <a:rPr lang="ru-RU" b="1" dirty="0" smtClean="0"/>
-              <a:t>Принимаем </a:t>
-            </a:r>
-            <a:r>
-              <a:rPr lang="ru-RU" b="1" dirty="0"/>
-              <a:t>разбиение на </a:t>
-            </a:r>
-            <a:r>
-              <a:rPr lang="ru-RU" b="1" dirty="0" smtClean="0"/>
-              <a:t>3-4 </a:t>
-            </a:r>
-            <a:r>
-              <a:rPr lang="ru-RU" b="1" dirty="0"/>
-              <a:t>основных кластера</a:t>
-            </a:r>
-            <a:r>
-              <a:rPr lang="ru-RU" b="1" dirty="0" smtClean="0"/>
-              <a:t>:</a:t>
-            </a:r>
-          </a:p>
-          <a:p>
-            <a:pPr algn="just"/>
-            <a:endParaRPr lang="ru-RU" b="1" dirty="0"/>
-          </a:p>
-          <a:p>
-            <a:pPr algn="just"/>
-            <a:endParaRPr lang="ru-RU" b="1" dirty="0" smtClean="0"/>
-          </a:p>
-          <a:p>
-            <a:pPr algn="just"/>
-            <a:endParaRPr lang="ru-RU" b="1" dirty="0"/>
-          </a:p>
-          <a:p>
-            <a:pPr algn="just"/>
-            <a:endParaRPr lang="ru-RU" b="1" dirty="0"/>
-          </a:p>
-          <a:p>
-            <a:pPr lvl="0" algn="just"/>
-            <a:r>
-              <a:rPr lang="ru-RU" dirty="0" smtClean="0"/>
-              <a:t>       </a:t>
-            </a:r>
-            <a:r>
-              <a:rPr lang="ru-RU" b="1" dirty="0" smtClean="0"/>
-              <a:t>3 </a:t>
-            </a:r>
-            <a:r>
-              <a:rPr lang="ru-RU" b="1" dirty="0"/>
-              <a:t>кластера </a:t>
-            </a:r>
-            <a:r>
-              <a:rPr lang="ru-RU" b="1" dirty="0" smtClean="0"/>
-              <a:t>отражают 3 </a:t>
-            </a:r>
-            <a:r>
-              <a:rPr lang="ru-RU" b="1" dirty="0"/>
-              <a:t>разных сценарии посещения бара клиентами</a:t>
-            </a:r>
-            <a:r>
-              <a:rPr lang="ru-RU" b="1" dirty="0" smtClean="0"/>
-              <a:t>:</a:t>
-            </a:r>
-          </a:p>
-          <a:p>
-            <a:pPr marL="285750" lvl="0" indent="-285750" algn="just">
-              <a:buFont typeface="Arial" pitchFamily="34" charset="0"/>
-              <a:buChar char="•"/>
-            </a:pPr>
-            <a:r>
-              <a:rPr lang="ru-RU" dirty="0" smtClean="0"/>
-              <a:t>редкое </a:t>
-            </a:r>
-            <a:r>
-              <a:rPr lang="ru-RU" dirty="0"/>
-              <a:t>посещение (1,18 раз) с ARPU 1513 руб; </a:t>
-            </a:r>
-            <a:endParaRPr lang="ru-RU" dirty="0" smtClean="0"/>
-          </a:p>
-          <a:p>
-            <a:pPr marL="285750" lvl="0" indent="-285750" algn="just">
-              <a:buFont typeface="Arial" pitchFamily="34" charset="0"/>
-              <a:buChar char="•"/>
-            </a:pPr>
-            <a:r>
-              <a:rPr lang="ru-RU" dirty="0" smtClean="0"/>
-              <a:t>более </a:t>
-            </a:r>
-            <a:r>
-              <a:rPr lang="ru-RU" dirty="0"/>
-              <a:t>частое посещение (1,88 раз) с ARPU 5034 руб; </a:t>
-            </a:r>
-            <a:endParaRPr lang="ru-RU" dirty="0" smtClean="0"/>
-          </a:p>
-          <a:p>
-            <a:pPr marL="285750" lvl="0" indent="-285750" algn="just">
-              <a:buFont typeface="Arial" pitchFamily="34" charset="0"/>
-              <a:buChar char="•"/>
-            </a:pPr>
-            <a:r>
-              <a:rPr lang="ru-RU" dirty="0" smtClean="0"/>
-              <a:t>частое </a:t>
-            </a:r>
-            <a:r>
-              <a:rPr lang="ru-RU" dirty="0"/>
-              <a:t>посещение большой компанией - 3,65 раз с ARPU 12442 руб в месяц). </a:t>
-            </a:r>
-            <a:endParaRPr lang="ru-RU" dirty="0" smtClean="0"/>
-          </a:p>
-          <a:p>
-            <a:pPr lvl="0" algn="just"/>
-            <a:r>
-              <a:rPr lang="ru-RU" dirty="0"/>
-              <a:t> </a:t>
-            </a:r>
-            <a:r>
-              <a:rPr lang="ru-RU" dirty="0" smtClean="0"/>
-              <a:t>      Использовался </a:t>
-            </a:r>
-            <a:r>
-              <a:rPr lang="ru-RU" dirty="0"/>
-              <a:t>метод K-Means для нестандартизированных данных</a:t>
-            </a:r>
-            <a:r>
-              <a:rPr lang="ru-RU" dirty="0" smtClean="0"/>
-              <a:t>.</a:t>
-            </a:r>
-          </a:p>
-          <a:p>
-            <a:pPr lvl="0" algn="just"/>
-            <a:endParaRPr lang="ru-RU" dirty="0" smtClean="0"/>
-          </a:p>
-          <a:p>
-            <a:pPr lvl="0" algn="just"/>
-            <a:endParaRPr lang="ru-RU" dirty="0" smtClean="0"/>
-          </a:p>
-          <a:p>
-            <a:pPr lvl="0" algn="just"/>
-            <a:endParaRPr lang="ru-RU" dirty="0"/>
-          </a:p>
-          <a:p>
-            <a:pPr lvl="0" algn="just"/>
-            <a:r>
-              <a:rPr lang="ru-RU" dirty="0"/>
-              <a:t> </a:t>
-            </a:r>
-            <a:r>
-              <a:rPr lang="ru-RU" dirty="0" smtClean="0"/>
-              <a:t>      </a:t>
-            </a:r>
-            <a:r>
-              <a:rPr lang="ru-RU" b="1" dirty="0" smtClean="0"/>
-              <a:t>4 </a:t>
-            </a:r>
-            <a:r>
-              <a:rPr lang="ru-RU" b="1" dirty="0"/>
-              <a:t>кластера, </a:t>
-            </a:r>
-            <a:r>
-              <a:rPr lang="ru-RU" b="1" dirty="0" smtClean="0"/>
-              <a:t>которые отличаются по </a:t>
-            </a:r>
-            <a:r>
-              <a:rPr lang="en-US" b="1" dirty="0" smtClean="0"/>
-              <a:t>ARPU</a:t>
-            </a:r>
-            <a:r>
-              <a:rPr lang="ru-RU" b="1" dirty="0" smtClean="0"/>
-              <a:t> и учитывает </a:t>
-            </a:r>
-            <a:r>
-              <a:rPr lang="ru-RU" b="1" dirty="0"/>
-              <a:t>пол клиентов (</a:t>
-            </a:r>
-            <a:r>
-              <a:rPr lang="ru-RU" b="1" dirty="0" smtClean="0"/>
-              <a:t>м/ж), </a:t>
-            </a:r>
-            <a:r>
-              <a:rPr lang="ru-RU" b="1" dirty="0"/>
-              <a:t>день недели посещения </a:t>
-            </a:r>
-            <a:r>
-              <a:rPr lang="ru-RU" b="1" dirty="0" smtClean="0"/>
-              <a:t>(</a:t>
-            </a:r>
-            <a:r>
-              <a:rPr lang="ru-RU" b="1" dirty="0" err="1" smtClean="0"/>
-              <a:t>сб</a:t>
-            </a:r>
-            <a:r>
-              <a:rPr lang="ru-RU" b="1" dirty="0" smtClean="0"/>
-              <a:t> – для мужчин, </a:t>
-            </a:r>
-            <a:r>
-              <a:rPr lang="ru-RU" b="1" dirty="0" err="1" smtClean="0"/>
-              <a:t>пт</a:t>
-            </a:r>
-            <a:r>
-              <a:rPr lang="ru-RU" b="1" dirty="0" smtClean="0"/>
-              <a:t> – для девушек).</a:t>
-            </a:r>
-            <a:r>
-              <a:rPr lang="ru-RU" dirty="0" smtClean="0"/>
-              <a:t> </a:t>
-            </a:r>
-          </a:p>
-          <a:p>
-            <a:pPr lvl="0" algn="just"/>
-            <a:r>
-              <a:rPr lang="ru-RU" dirty="0"/>
-              <a:t> </a:t>
-            </a:r>
-            <a:r>
-              <a:rPr lang="ru-RU" dirty="0" smtClean="0"/>
-              <a:t>      Эти кластеры </a:t>
-            </a:r>
-            <a:r>
-              <a:rPr lang="ru-RU" dirty="0"/>
-              <a:t>получены методом K-Means для нормализованных данных.</a:t>
-            </a:r>
-          </a:p>
-          <a:p>
-            <a:endParaRPr lang="ru-RU" dirty="0"/>
-          </a:p>
-        </p:txBody>
-      </p:sp>
-    </p:spTree>
-    <p:extLst>
-      <p:ext uri="{BB962C8B-B14F-4D97-AF65-F5344CB8AC3E}">
-        <p14:creationId xmlns:p14="http://schemas.microsoft.com/office/powerpoint/2010/main" val="2029970094"/>
-      </p:ext>
-    </p:extLst>
-  </p:cSld>
-  <p:clrMapOvr>
-    <a:masterClrMapping/>
-  </p:clrMapOvr>
-  <p:timing>
-    <p:tnLst>
-      <p:par>
-        <p:cTn id="1" dur="indefinite" restart="never" nodeType="tmRoot"/>
-      </p:par>
-    </p:tnLst>
-  </p:timing>
-</p:sld>
-</file>
-
-<file path=ppt/slides/slide19.xml><?xml version="1.0" encoding="utf-8"?>
-<p:sld xmlns:a="http://schemas.openxmlformats.org/drawingml/2006/main" xmlns:r="http://schemas.openxmlformats.org/officeDocument/2006/relationships" xmlns:p="http://schemas.openxmlformats.org/presentationml/2006/main">
-  <p:cSld>
-    <p:spTree>
-      <p:nvGrpSpPr>
-        <p:cNvPr id="1" name=""/>
-        <p:cNvGrpSpPr/>
-        <p:nvPr/>
-      </p:nvGrpSpPr>
-      <p:grpSpPr>
-        <a:xfrm>
-          <a:off x="0" y="0"/>
-          <a:ext cx="0" cy="0"/>
-          <a:chOff x="0" y="0"/>
-          <a:chExt cx="0" cy="0"/>
-        </a:xfrm>
-      </p:grpSpPr>
-      <p:sp>
-        <p:nvSpPr>
-          <p:cNvPr id="5" name="Текст 4"/>
-          <p:cNvSpPr>
-            <a:spLocks noGrp="1"/>
-          </p:cNvSpPr>
-          <p:nvPr>
-            <p:ph type="body" sz="quarter" idx="13"/>
-          </p:nvPr>
-        </p:nvSpPr>
-        <p:spPr>
-          <a:xfrm>
-            <a:off x="457200" y="404664"/>
-            <a:ext cx="6131024" cy="6048672"/>
-          </a:xfrm>
-        </p:spPr>
-        <p:txBody>
-          <a:bodyPr>
-            <a:normAutofit/>
-          </a:bodyPr>
-          <a:lstStyle/>
-          <a:p>
-            <a:pPr lvl="0" algn="ctr"/>
-            <a:r>
-              <a:rPr lang="ru-RU" b="1" dirty="0" smtClean="0"/>
-              <a:t>Значение данного исследования для заказчика</a:t>
-            </a:r>
-            <a:endParaRPr lang="ru-RU" b="1" dirty="0" smtClean="0"/>
-          </a:p>
-          <a:p>
-            <a:pPr lvl="0" algn="just"/>
-            <a:endParaRPr lang="ru-RU" dirty="0" smtClean="0"/>
-          </a:p>
-          <a:p>
-            <a:pPr lvl="0" algn="just"/>
-            <a:endParaRPr lang="ru-RU" dirty="0"/>
-          </a:p>
-          <a:p>
-            <a:pPr lvl="0" algn="just"/>
-            <a:endParaRPr lang="ru-RU" dirty="0" smtClean="0"/>
-          </a:p>
-          <a:p>
-            <a:pPr lvl="0" algn="just"/>
-            <a:endParaRPr lang="ru-RU" dirty="0" smtClean="0"/>
-          </a:p>
-          <a:p>
-            <a:pPr lvl="0" algn="just"/>
-            <a:endParaRPr lang="ru-RU" dirty="0"/>
-          </a:p>
-          <a:p>
-            <a:pPr marL="285750" lvl="0" indent="-285750" algn="just">
-              <a:buFont typeface="Arial" pitchFamily="34" charset="0"/>
-              <a:buChar char="•"/>
-            </a:pPr>
-            <a:r>
-              <a:rPr lang="ru-RU" dirty="0" smtClean="0"/>
-              <a:t>Позиционирование </a:t>
-            </a:r>
-            <a:r>
-              <a:rPr lang="ru-RU" dirty="0"/>
-              <a:t>("Бар друзей", привлекающий компании) соответствует тому, что происходит в </a:t>
-            </a:r>
-            <a:r>
-              <a:rPr lang="ru-RU" dirty="0" smtClean="0"/>
-              <a:t>реальности. Значит позиционирование верное и выполняет свою задачу.</a:t>
-            </a:r>
-          </a:p>
-          <a:p>
-            <a:pPr marL="285750" lvl="0" indent="-285750" algn="just">
-              <a:buFont typeface="Arial" pitchFamily="34" charset="0"/>
-              <a:buChar char="•"/>
-            </a:pPr>
-            <a:endParaRPr lang="ru-RU" dirty="0"/>
-          </a:p>
-          <a:p>
-            <a:pPr marL="285750" lvl="0" indent="-285750" algn="just">
-              <a:buFont typeface="Arial" pitchFamily="34" charset="0"/>
-              <a:buChar char="•"/>
-            </a:pPr>
-            <a:r>
-              <a:rPr lang="ru-RU" dirty="0" smtClean="0"/>
-              <a:t>Более точно определены параметры, по которым можно настроить </a:t>
-            </a:r>
-            <a:r>
-              <a:rPr lang="ru-RU" dirty="0" err="1"/>
-              <a:t>таргетированную</a:t>
-            </a:r>
-            <a:r>
-              <a:rPr lang="ru-RU" dirty="0"/>
-              <a:t> </a:t>
-            </a:r>
-            <a:r>
-              <a:rPr lang="ru-RU" dirty="0" smtClean="0"/>
-              <a:t>рекламу.</a:t>
-            </a:r>
-          </a:p>
-          <a:p>
-            <a:pPr marL="285750" lvl="0" indent="-285750" algn="just">
-              <a:buFont typeface="Arial" pitchFamily="34" charset="0"/>
-              <a:buChar char="•"/>
-            </a:pPr>
-            <a:endParaRPr lang="ru-RU" dirty="0"/>
-          </a:p>
-          <a:p>
-            <a:pPr marL="285750" lvl="0" indent="-285750" algn="just">
-              <a:buFont typeface="Arial" pitchFamily="34" charset="0"/>
-              <a:buChar char="•"/>
-            </a:pPr>
-            <a:r>
-              <a:rPr lang="ru-RU" dirty="0" smtClean="0"/>
-              <a:t>Новые знания о клиентах позволят улучшить взаимодействие с ними, а также прогнозировать эффект акций.</a:t>
-            </a:r>
-            <a:endParaRPr lang="ru-RU" dirty="0" smtClean="0"/>
-          </a:p>
-        </p:txBody>
-      </p:sp>
-    </p:spTree>
-    <p:extLst>
-      <p:ext uri="{BB962C8B-B14F-4D97-AF65-F5344CB8AC3E}">
-        <p14:creationId xmlns:p14="http://schemas.microsoft.com/office/powerpoint/2010/main" val="2174436955"/>
-      </p:ext>
-    </p:extLst>
-  </p:cSld>
-  <p:clrMapOvr>
-    <a:masterClrMapping/>
-  </p:clrMapOvr>
-  <p:timing>
-    <p:tnLst>
-      <p:par>
-        <p:cTn id="1" dur="indefinite" restart="never" nodeType="tmRoot"/>
-      </p:par>
-    </p:tnLst>
-  </p:timing>
-</p:sld>
-</file>
-
 <file path=ppt/slides/slide2.xml><?xml version="1.0" encoding="utf-8"?>
 <p:sld xmlns:a="http://schemas.openxmlformats.org/drawingml/2006/main" xmlns:r="http://schemas.openxmlformats.org/officeDocument/2006/relationships" xmlns:p="http://schemas.openxmlformats.org/presentationml/2006/main">
   <p:cSld>
@@ -7158,6 +7346,444 @@
     <p:extLst>
       <p:ext uri="{BB962C8B-B14F-4D97-AF65-F5344CB8AC3E}">
         <p14:creationId xmlns:p14="http://schemas.microsoft.com/office/powerpoint/2010/main" val="640013892"/>
+      </p:ext>
+    </p:extLst>
+  </p:cSld>
+  <p:clrMapOvr>
+    <a:masterClrMapping/>
+  </p:clrMapOvr>
+  <p:timing>
+    <p:tnLst>
+      <p:par>
+        <p:cTn id="1" dur="indefinite" restart="never" nodeType="tmRoot"/>
+      </p:par>
+    </p:tnLst>
+  </p:timing>
+</p:sld>
+</file>
+
+<file path=ppt/slides/slide20.xml><?xml version="1.0" encoding="utf-8"?>
+<p:sld xmlns:a="http://schemas.openxmlformats.org/drawingml/2006/main" xmlns:r="http://schemas.openxmlformats.org/officeDocument/2006/relationships" xmlns:p="http://schemas.openxmlformats.org/presentationml/2006/main">
+  <p:cSld>
+    <p:spTree>
+      <p:nvGrpSpPr>
+        <p:cNvPr id="1" name=""/>
+        <p:cNvGrpSpPr/>
+        <p:nvPr/>
+      </p:nvGrpSpPr>
+      <p:grpSpPr>
+        <a:xfrm>
+          <a:off x="0" y="0"/>
+          <a:ext cx="0" cy="0"/>
+          <a:chOff x="0" y="0"/>
+          <a:chExt cx="0" cy="0"/>
+        </a:xfrm>
+      </p:grpSpPr>
+      <p:sp>
+        <p:nvSpPr>
+          <p:cNvPr id="5" name="Текст 4"/>
+          <p:cNvSpPr>
+            <a:spLocks noGrp="1"/>
+          </p:cNvSpPr>
+          <p:nvPr>
+            <p:ph type="body" sz="quarter" idx="13"/>
+          </p:nvPr>
+        </p:nvSpPr>
+        <p:spPr>
+          <a:xfrm>
+            <a:off x="457200" y="404664"/>
+            <a:ext cx="6131024" cy="6048672"/>
+          </a:xfrm>
+        </p:spPr>
+        <p:txBody>
+          <a:bodyPr>
+            <a:normAutofit/>
+          </a:bodyPr>
+          <a:lstStyle/>
+          <a:p>
+            <a:pPr algn="ctr"/>
+            <a:r>
+              <a:rPr lang="ru-RU" b="1" dirty="0" smtClean="0"/>
+              <a:t>Принимаем </a:t>
+            </a:r>
+            <a:r>
+              <a:rPr lang="ru-RU" b="1" dirty="0"/>
+              <a:t>разбиение на </a:t>
+            </a:r>
+            <a:r>
+              <a:rPr lang="ru-RU" b="1" dirty="0" smtClean="0"/>
+              <a:t>3-4 </a:t>
+            </a:r>
+            <a:r>
+              <a:rPr lang="ru-RU" b="1" dirty="0"/>
+              <a:t>основных кластера</a:t>
+            </a:r>
+            <a:r>
+              <a:rPr lang="ru-RU" b="1" dirty="0" smtClean="0"/>
+              <a:t>:</a:t>
+            </a:r>
+          </a:p>
+          <a:p>
+            <a:pPr algn="just"/>
+            <a:endParaRPr lang="ru-RU" b="1" dirty="0"/>
+          </a:p>
+          <a:p>
+            <a:pPr algn="just"/>
+            <a:endParaRPr lang="ru-RU" b="1" dirty="0" smtClean="0"/>
+          </a:p>
+          <a:p>
+            <a:pPr algn="just"/>
+            <a:endParaRPr lang="ru-RU" b="1" dirty="0"/>
+          </a:p>
+          <a:p>
+            <a:pPr algn="just"/>
+            <a:endParaRPr lang="ru-RU" b="1" dirty="0"/>
+          </a:p>
+          <a:p>
+            <a:pPr lvl="0" algn="just"/>
+            <a:r>
+              <a:rPr lang="ru-RU" dirty="0" smtClean="0"/>
+              <a:t>       </a:t>
+            </a:r>
+            <a:r>
+              <a:rPr lang="ru-RU" b="1" dirty="0" smtClean="0"/>
+              <a:t>3 </a:t>
+            </a:r>
+            <a:r>
+              <a:rPr lang="ru-RU" b="1" dirty="0"/>
+              <a:t>кластера </a:t>
+            </a:r>
+            <a:r>
+              <a:rPr lang="ru-RU" b="1" dirty="0" smtClean="0"/>
+              <a:t>отражают 3 </a:t>
+            </a:r>
+            <a:r>
+              <a:rPr lang="ru-RU" b="1" dirty="0"/>
+              <a:t>разных сценарии посещения бара клиентами</a:t>
+            </a:r>
+            <a:r>
+              <a:rPr lang="ru-RU" b="1" dirty="0" smtClean="0"/>
+              <a:t>:</a:t>
+            </a:r>
+          </a:p>
+          <a:p>
+            <a:pPr marL="285750" lvl="0" indent="-285750" algn="just">
+              <a:buFont typeface="Arial" pitchFamily="34" charset="0"/>
+              <a:buChar char="•"/>
+            </a:pPr>
+            <a:r>
+              <a:rPr lang="ru-RU" dirty="0" smtClean="0"/>
+              <a:t>редкое </a:t>
+            </a:r>
+            <a:r>
+              <a:rPr lang="ru-RU" dirty="0"/>
+              <a:t>посещение (1,18 раз) с ARPU 1513 руб; </a:t>
+            </a:r>
+            <a:endParaRPr lang="ru-RU" dirty="0" smtClean="0"/>
+          </a:p>
+          <a:p>
+            <a:pPr marL="285750" lvl="0" indent="-285750" algn="just">
+              <a:buFont typeface="Arial" pitchFamily="34" charset="0"/>
+              <a:buChar char="•"/>
+            </a:pPr>
+            <a:r>
+              <a:rPr lang="ru-RU" dirty="0" smtClean="0"/>
+              <a:t>более </a:t>
+            </a:r>
+            <a:r>
+              <a:rPr lang="ru-RU" dirty="0"/>
+              <a:t>частое посещение (1,88 раз) с ARPU 5034 руб; </a:t>
+            </a:r>
+            <a:endParaRPr lang="ru-RU" dirty="0" smtClean="0"/>
+          </a:p>
+          <a:p>
+            <a:pPr marL="285750" lvl="0" indent="-285750" algn="just">
+              <a:buFont typeface="Arial" pitchFamily="34" charset="0"/>
+              <a:buChar char="•"/>
+            </a:pPr>
+            <a:r>
+              <a:rPr lang="ru-RU" dirty="0" smtClean="0"/>
+              <a:t>частое </a:t>
+            </a:r>
+            <a:r>
+              <a:rPr lang="ru-RU" dirty="0"/>
+              <a:t>посещение большой компанией - 3,65 раз с ARPU 12442 руб в месяц). </a:t>
+            </a:r>
+            <a:endParaRPr lang="ru-RU" dirty="0" smtClean="0"/>
+          </a:p>
+          <a:p>
+            <a:pPr lvl="0" algn="just"/>
+            <a:r>
+              <a:rPr lang="ru-RU" dirty="0"/>
+              <a:t> </a:t>
+            </a:r>
+            <a:r>
+              <a:rPr lang="ru-RU" dirty="0" smtClean="0"/>
+              <a:t>      Использовался </a:t>
+            </a:r>
+            <a:r>
+              <a:rPr lang="ru-RU" dirty="0"/>
+              <a:t>метод K-Means для нестандартизированных данных</a:t>
+            </a:r>
+            <a:r>
+              <a:rPr lang="ru-RU" dirty="0" smtClean="0"/>
+              <a:t>.</a:t>
+            </a:r>
+          </a:p>
+          <a:p>
+            <a:pPr lvl="0" algn="just"/>
+            <a:endParaRPr lang="ru-RU" dirty="0" smtClean="0"/>
+          </a:p>
+          <a:p>
+            <a:pPr lvl="0" algn="just"/>
+            <a:endParaRPr lang="ru-RU" dirty="0" smtClean="0"/>
+          </a:p>
+          <a:p>
+            <a:pPr lvl="0" algn="just"/>
+            <a:endParaRPr lang="ru-RU" dirty="0"/>
+          </a:p>
+          <a:p>
+            <a:pPr lvl="0" algn="just"/>
+            <a:r>
+              <a:rPr lang="ru-RU" dirty="0"/>
+              <a:t> </a:t>
+            </a:r>
+            <a:r>
+              <a:rPr lang="ru-RU" dirty="0" smtClean="0"/>
+              <a:t>      </a:t>
+            </a:r>
+            <a:r>
+              <a:rPr lang="ru-RU" b="1" dirty="0" smtClean="0"/>
+              <a:t>4 </a:t>
+            </a:r>
+            <a:r>
+              <a:rPr lang="ru-RU" b="1" dirty="0"/>
+              <a:t>кластера, </a:t>
+            </a:r>
+            <a:r>
+              <a:rPr lang="ru-RU" b="1" dirty="0" smtClean="0"/>
+              <a:t>которые отличаются по </a:t>
+            </a:r>
+            <a:r>
+              <a:rPr lang="en-US" b="1" dirty="0" smtClean="0"/>
+              <a:t>ARPU</a:t>
+            </a:r>
+            <a:r>
+              <a:rPr lang="ru-RU" b="1" dirty="0" smtClean="0"/>
+              <a:t> и учитывает </a:t>
+            </a:r>
+            <a:r>
+              <a:rPr lang="ru-RU" b="1" dirty="0"/>
+              <a:t>пол клиентов (</a:t>
+            </a:r>
+            <a:r>
+              <a:rPr lang="ru-RU" b="1" dirty="0" smtClean="0"/>
+              <a:t>м/ж), </a:t>
+            </a:r>
+            <a:r>
+              <a:rPr lang="ru-RU" b="1" dirty="0"/>
+              <a:t>день недели посещения </a:t>
+            </a:r>
+            <a:r>
+              <a:rPr lang="ru-RU" b="1" dirty="0" smtClean="0"/>
+              <a:t>(</a:t>
+            </a:r>
+            <a:r>
+              <a:rPr lang="ru-RU" b="1" dirty="0" err="1" smtClean="0"/>
+              <a:t>сб</a:t>
+            </a:r>
+            <a:r>
+              <a:rPr lang="ru-RU" b="1" dirty="0" smtClean="0"/>
+              <a:t> – для мужчин, </a:t>
+            </a:r>
+            <a:r>
+              <a:rPr lang="ru-RU" b="1" dirty="0" err="1" smtClean="0"/>
+              <a:t>пт</a:t>
+            </a:r>
+            <a:r>
+              <a:rPr lang="ru-RU" b="1" dirty="0" smtClean="0"/>
+              <a:t> – для девушек).</a:t>
+            </a:r>
+            <a:r>
+              <a:rPr lang="ru-RU" dirty="0" smtClean="0"/>
+              <a:t> </a:t>
+            </a:r>
+          </a:p>
+          <a:p>
+            <a:pPr lvl="0" algn="just"/>
+            <a:r>
+              <a:rPr lang="ru-RU" dirty="0"/>
+              <a:t> </a:t>
+            </a:r>
+            <a:r>
+              <a:rPr lang="ru-RU" dirty="0" smtClean="0"/>
+              <a:t>      Эти кластеры </a:t>
+            </a:r>
+            <a:r>
+              <a:rPr lang="ru-RU" dirty="0"/>
+              <a:t>получены методом K-Means для нормализованных данных.</a:t>
+            </a:r>
+          </a:p>
+          <a:p>
+            <a:endParaRPr lang="ru-RU" dirty="0"/>
+          </a:p>
+        </p:txBody>
+      </p:sp>
+    </p:spTree>
+    <p:extLst>
+      <p:ext uri="{BB962C8B-B14F-4D97-AF65-F5344CB8AC3E}">
+        <p14:creationId xmlns:p14="http://schemas.microsoft.com/office/powerpoint/2010/main" val="2029970094"/>
+      </p:ext>
+    </p:extLst>
+  </p:cSld>
+  <p:clrMapOvr>
+    <a:masterClrMapping/>
+  </p:clrMapOvr>
+  <p:timing>
+    <p:tnLst>
+      <p:par>
+        <p:cTn id="1" dur="indefinite" restart="never" nodeType="tmRoot"/>
+      </p:par>
+    </p:tnLst>
+  </p:timing>
+</p:sld>
+</file>
+
+<file path=ppt/slides/slide21.xml><?xml version="1.0" encoding="utf-8"?>
+<p:sld xmlns:a="http://schemas.openxmlformats.org/drawingml/2006/main" xmlns:r="http://schemas.openxmlformats.org/officeDocument/2006/relationships" xmlns:p="http://schemas.openxmlformats.org/presentationml/2006/main">
+  <p:cSld>
+    <p:spTree>
+      <p:nvGrpSpPr>
+        <p:cNvPr id="1" name=""/>
+        <p:cNvGrpSpPr/>
+        <p:nvPr/>
+      </p:nvGrpSpPr>
+      <p:grpSpPr>
+        <a:xfrm>
+          <a:off x="0" y="0"/>
+          <a:ext cx="0" cy="0"/>
+          <a:chOff x="0" y="0"/>
+          <a:chExt cx="0" cy="0"/>
+        </a:xfrm>
+      </p:grpSpPr>
+      <p:sp>
+        <p:nvSpPr>
+          <p:cNvPr id="5" name="Текст 4"/>
+          <p:cNvSpPr>
+            <a:spLocks noGrp="1"/>
+          </p:cNvSpPr>
+          <p:nvPr>
+            <p:ph type="body" sz="quarter" idx="13"/>
+          </p:nvPr>
+        </p:nvSpPr>
+        <p:spPr>
+          <a:xfrm>
+            <a:off x="457200" y="404664"/>
+            <a:ext cx="6131024" cy="6048672"/>
+          </a:xfrm>
+        </p:spPr>
+        <p:txBody>
+          <a:bodyPr>
+            <a:normAutofit/>
+          </a:bodyPr>
+          <a:lstStyle/>
+          <a:p>
+            <a:pPr lvl="0" algn="ctr"/>
+            <a:r>
+              <a:rPr lang="ru-RU" b="1" dirty="0" smtClean="0"/>
+              <a:t>Значение данного исследования для заказчика</a:t>
+            </a:r>
+          </a:p>
+          <a:p>
+            <a:pPr lvl="0" algn="just"/>
+            <a:endParaRPr lang="ru-RU" dirty="0" smtClean="0"/>
+          </a:p>
+          <a:p>
+            <a:pPr lvl="0" algn="just"/>
+            <a:endParaRPr lang="ru-RU" dirty="0"/>
+          </a:p>
+          <a:p>
+            <a:pPr lvl="0" algn="just"/>
+            <a:endParaRPr lang="ru-RU" dirty="0" smtClean="0"/>
+          </a:p>
+          <a:p>
+            <a:pPr lvl="0" algn="just"/>
+            <a:endParaRPr lang="ru-RU" dirty="0" smtClean="0"/>
+          </a:p>
+          <a:p>
+            <a:pPr lvl="0" algn="just"/>
+            <a:endParaRPr lang="ru-RU" dirty="0"/>
+          </a:p>
+          <a:p>
+            <a:pPr marL="285750" lvl="0" indent="-285750" algn="just">
+              <a:buFont typeface="Arial" pitchFamily="34" charset="0"/>
+              <a:buChar char="•"/>
+            </a:pPr>
+            <a:r>
+              <a:rPr lang="ru-RU" dirty="0" smtClean="0"/>
+              <a:t>Позиционирование </a:t>
+            </a:r>
+            <a:r>
+              <a:rPr lang="ru-RU" dirty="0"/>
+              <a:t>("Бар друзей", привлекающий компании) соответствует тому, что происходит в </a:t>
+            </a:r>
+            <a:r>
+              <a:rPr lang="ru-RU" dirty="0" smtClean="0"/>
+              <a:t>реальности. Значит позиционирование верное и выполняет свою задачу.</a:t>
+            </a:r>
+          </a:p>
+          <a:p>
+            <a:pPr marL="285750" lvl="0" indent="-285750" algn="just">
+              <a:buFont typeface="Arial" pitchFamily="34" charset="0"/>
+              <a:buChar char="•"/>
+            </a:pPr>
+            <a:endParaRPr lang="ru-RU" dirty="0"/>
+          </a:p>
+          <a:p>
+            <a:pPr marL="285750" lvl="0" indent="-285750" algn="just">
+              <a:buFont typeface="Arial" pitchFamily="34" charset="0"/>
+              <a:buChar char="•"/>
+            </a:pPr>
+            <a:r>
+              <a:rPr lang="ru-RU" dirty="0" smtClean="0"/>
+              <a:t>Более точно определены параметры, по которым можно настроить </a:t>
+            </a:r>
+            <a:r>
+              <a:rPr lang="ru-RU" dirty="0" err="1"/>
+              <a:t>таргетированную</a:t>
+            </a:r>
+            <a:r>
+              <a:rPr lang="ru-RU" dirty="0"/>
+              <a:t> </a:t>
+            </a:r>
+            <a:r>
+              <a:rPr lang="ru-RU" dirty="0" smtClean="0"/>
+              <a:t>рекламу.</a:t>
+            </a:r>
+          </a:p>
+          <a:p>
+            <a:pPr marL="285750" lvl="0" indent="-285750" algn="just">
+              <a:buFont typeface="Arial" pitchFamily="34" charset="0"/>
+              <a:buChar char="•"/>
+            </a:pPr>
+            <a:endParaRPr lang="ru-RU" dirty="0"/>
+          </a:p>
+          <a:p>
+            <a:pPr marL="285750" lvl="0" indent="-285750" algn="just">
+              <a:buFont typeface="Arial" pitchFamily="34" charset="0"/>
+              <a:buChar char="•"/>
+            </a:pPr>
+            <a:r>
+              <a:rPr lang="ru-RU" dirty="0" smtClean="0"/>
+              <a:t>Новые знания о клиентах позволят улучшить взаимодействие с ними, а также прогнозировать эффект акций.</a:t>
+            </a:r>
+          </a:p>
+        </p:txBody>
+      </p:sp>
+    </p:spTree>
+    <p:extLst>
+      <p:ext uri="{BB962C8B-B14F-4D97-AF65-F5344CB8AC3E}">
+        <p14:creationId xmlns:p14="http://schemas.microsoft.com/office/powerpoint/2010/main" val="2174436955"/>
       </p:ext>
     </p:extLst>
   </p:cSld>
@@ -8737,11 +9363,7 @@
             <a:pPr algn="just"/>
             <a:r>
               <a:rPr lang="ru-RU" dirty="0" smtClean="0"/>
-              <a:t>В </a:t>
-            </a:r>
-            <a:r>
-              <a:rPr lang="ru-RU" dirty="0" smtClean="0"/>
-              <a:t>качестве метрики используем </a:t>
+              <a:t>В качестве метрики используем </a:t>
             </a:r>
             <a:r>
               <a:rPr lang="ru-RU" dirty="0" err="1" smtClean="0"/>

--- a/Презентация проекта.pptx
+++ b/Презентация проекта.pptx
@@ -338,7 +338,7 @@
           <a:p>
             <a:fld id="{6A3739BC-6F54-41EA-B142-AF83039A8732}" type="datetimeFigureOut">
               <a:rPr lang="ru-RU" smtClean="0"/>
-              <a:t>25.08.2020</a:t>
+              <a:t>29.08.2020</a:t>
             </a:fld>
             <a:endParaRPr lang="ru-RU"/>
           </a:p>
@@ -524,7 +524,7 @@
           <a:p>
             <a:fld id="{6A3739BC-6F54-41EA-B142-AF83039A8732}" type="datetimeFigureOut">
               <a:rPr lang="ru-RU" smtClean="0"/>
-              <a:t>25.08.2020</a:t>
+              <a:t>29.08.2020</a:t>
             </a:fld>
             <a:endParaRPr lang="ru-RU"/>
           </a:p>
@@ -706,7 +706,7 @@
           <a:p>
             <a:fld id="{6A3739BC-6F54-41EA-B142-AF83039A8732}" type="datetimeFigureOut">
               <a:rPr lang="ru-RU" smtClean="0"/>
-              <a:t>25.08.2020</a:t>
+              <a:t>29.08.2020</a:t>
             </a:fld>
             <a:endParaRPr lang="ru-RU"/>
           </a:p>
@@ -899,7 +899,7 @@
           <a:p>
             <a:fld id="{6A3739BC-6F54-41EA-B142-AF83039A8732}" type="datetimeFigureOut">
               <a:rPr lang="ru-RU" smtClean="0"/>
-              <a:t>25.08.2020</a:t>
+              <a:t>29.08.2020</a:t>
             </a:fld>
             <a:endParaRPr lang="ru-RU"/>
           </a:p>
@@ -1025,7 +1025,7 @@
           <a:p>
             <a:fld id="{6A3739BC-6F54-41EA-B142-AF83039A8732}" type="datetimeFigureOut">
               <a:rPr lang="ru-RU" smtClean="0"/>
-              <a:t>25.08.2020</a:t>
+              <a:t>29.08.2020</a:t>
             </a:fld>
             <a:endParaRPr lang="ru-RU"/>
           </a:p>
@@ -1414,7 +1414,7 @@
           <a:p>
             <a:fld id="{6A3739BC-6F54-41EA-B142-AF83039A8732}" type="datetimeFigureOut">
               <a:rPr lang="ru-RU" smtClean="0"/>
-              <a:t>25.08.2020</a:t>
+              <a:t>29.08.2020</a:t>
             </a:fld>
             <a:endParaRPr lang="ru-RU"/>
           </a:p>
@@ -1859,7 +1859,7 @@
           <a:p>
             <a:fld id="{6A3739BC-6F54-41EA-B142-AF83039A8732}" type="datetimeFigureOut">
               <a:rPr lang="ru-RU" smtClean="0"/>
-              <a:t>25.08.2020</a:t>
+              <a:t>29.08.2020</a:t>
             </a:fld>
             <a:endParaRPr lang="ru-RU"/>
           </a:p>
@@ -1984,7 +1984,7 @@
           <a:p>
             <a:fld id="{6A3739BC-6F54-41EA-B142-AF83039A8732}" type="datetimeFigureOut">
               <a:rPr lang="ru-RU" smtClean="0"/>
-              <a:t>25.08.2020</a:t>
+              <a:t>29.08.2020</a:t>
             </a:fld>
             <a:endParaRPr lang="ru-RU"/>
           </a:p>
@@ -2081,7 +2081,7 @@
           <a:p>
             <a:fld id="{6A3739BC-6F54-41EA-B142-AF83039A8732}" type="datetimeFigureOut">
               <a:rPr lang="ru-RU" smtClean="0"/>
-              <a:t>25.08.2020</a:t>
+              <a:t>29.08.2020</a:t>
             </a:fld>
             <a:endParaRPr lang="ru-RU"/>
           </a:p>
@@ -2372,7 +2372,7 @@
           <a:p>
             <a:fld id="{6A3739BC-6F54-41EA-B142-AF83039A8732}" type="datetimeFigureOut">
               <a:rPr lang="ru-RU" smtClean="0"/>
-              <a:t>25.08.2020</a:t>
+              <a:t>29.08.2020</a:t>
             </a:fld>
             <a:endParaRPr lang="ru-RU"/>
           </a:p>
@@ -2641,7 +2641,7 @@
           <a:p>
             <a:fld id="{6A3739BC-6F54-41EA-B142-AF83039A8732}" type="datetimeFigureOut">
               <a:rPr lang="ru-RU" smtClean="0"/>
-              <a:t>25.08.2020</a:t>
+              <a:t>29.08.2020</a:t>
             </a:fld>
             <a:endParaRPr lang="ru-RU"/>
           </a:p>
@@ -2923,7 +2923,7 @@
           <a:p>
             <a:fld id="{6A3739BC-6F54-41EA-B142-AF83039A8732}" type="datetimeFigureOut">
               <a:rPr lang="ru-RU" smtClean="0"/>
-              <a:t>25.08.2020</a:t>
+              <a:t>29.08.2020</a:t>
             </a:fld>
             <a:endParaRPr lang="ru-RU"/>
           </a:p>
@@ -3646,11 +3646,7 @@
                     <a:p>
                       <a:r>
                         <a:rPr lang="ru-RU" sz="1400" dirty="0" smtClean="0"/>
-                        <a:t>1-й </a:t>
-                      </a:r>
-                      <a:r>
-                        <a:rPr lang="ru-RU" sz="1400" dirty="0" smtClean="0"/>
-                        <a:t>кластер</a:t>
+                        <a:t>1-й кластер</a:t>
                       </a:r>
                       <a:endParaRPr lang="ru-RU" sz="1400" dirty="0"/>
                     </a:p>
@@ -4876,16 +4872,25 @@
                 </a:solidFill>
                 <a:latin typeface="+mn-lt"/>
               </a:rPr>
-              <a:t>Результаты кластеризации методом </a:t>
-            </a:r>
-            <a:r>
-              <a:rPr lang="en-US" sz="1400" b="1" dirty="0" err="1" smtClean="0">
+              <a:t>Результаты кластеризации </a:t>
+            </a:r>
+            <a:r>
+              <a:rPr lang="ru-RU" sz="1400" b="1" smtClean="0">
                 <a:solidFill>
                   <a:schemeClr val="tx2"/>
                 </a:solidFill>
                 <a:latin typeface="+mn-lt"/>
               </a:rPr>
-              <a:t>KMeans</a:t>
+              <a:t>методом </a:t>
+            </a:r>
+            <a:r>
+              <a:rPr lang="en-US" sz="1400" b="1" smtClean="0">
+                <a:solidFill>
+                  <a:schemeClr val="tx2"/>
+                </a:solidFill>
+                <a:latin typeface="+mn-lt"/>
+              </a:rPr>
+              <a:t>K-Means</a:t>
             </a:r>
             <a:endParaRPr lang="ru-RU" sz="1400" b="1" dirty="0">
               <a:solidFill>
@@ -5287,14 +5292,18 @@
             </a:pPr>
             <a:r>
               <a:rPr lang="ru-RU" dirty="0"/>
-              <a:t>Метод главных компонент PCA в сочетании с </a:t>
-            </a:r>
-            <a:r>
-              <a:rPr lang="ru-RU" dirty="0" err="1" smtClean="0"/>
-              <a:t>KMeans</a:t>
-            </a:r>
-            <a:r>
-              <a:rPr lang="ru-RU" dirty="0" smtClean="0"/>
+              <a:t>Метод главных компонент PCA в сочетании </a:t>
+            </a:r>
+            <a:r>
+              <a:rPr lang="ru-RU"/>
+              <a:t>с </a:t>
+            </a:r>
+            <a:r>
+              <a:rPr lang="fr-FR" smtClean="0"/>
+              <a:t>K-Means</a:t>
+            </a:r>
+            <a:r>
+              <a:rPr lang="ru-RU" smtClean="0"/>
               <a:t> </a:t>
             </a:r>
             <a:r>
@@ -5317,14 +5326,18 @@
             </a:pPr>
             <a:r>
               <a:rPr lang="ru-RU" dirty="0"/>
-              <a:t>Метод T-SNE в сочетании с алгоритмом </a:t>
-            </a:r>
-            <a:r>
-              <a:rPr lang="ru-RU" dirty="0" err="1" smtClean="0"/>
-              <a:t>KMeans</a:t>
-            </a:r>
-            <a:r>
-              <a:rPr lang="ru-RU" dirty="0" smtClean="0"/>
+              <a:t>Метод T-SNE в сочетании с </a:t>
+            </a:r>
+            <a:r>
+              <a:rPr lang="ru-RU"/>
+              <a:t>алгоритмом </a:t>
+            </a:r>
+            <a:r>
+              <a:rPr lang="fr-FR" smtClean="0"/>
+              <a:t>K-Means</a:t>
+            </a:r>
+            <a:r>
+              <a:rPr lang="ru-RU" smtClean="0"/>
               <a:t> </a:t>
             </a:r>
             <a:r>
@@ -5506,8 +5519,8 @@
         </p:nvSpPr>
         <p:spPr>
           <a:xfrm>
-            <a:off x="1547664" y="188640"/>
-            <a:ext cx="4392488" cy="954107"/>
+            <a:off x="1259632" y="188640"/>
+            <a:ext cx="4932548" cy="954107"/>
           </a:xfrm>
           <a:prstGeom prst="rect">
             <a:avLst/>
@@ -5522,12 +5535,52 @@
           <a:p>
             <a:pPr algn="ctr"/>
             <a:r>
+              <a:rPr lang="en-US" sz="1400" b="1" dirty="0">
+                <a:solidFill>
+                  <a:schemeClr val="tx2"/>
+                </a:solidFill>
+              </a:rPr>
+              <a:t>I</a:t>
+            </a:r>
+            <a:r>
+              <a:rPr lang="ru-RU" sz="1400" b="1" dirty="0" smtClean="0">
+                <a:solidFill>
+                  <a:schemeClr val="tx2"/>
+                </a:solidFill>
+              </a:rPr>
+              <a:t>. Деление </a:t>
+            </a:r>
+            <a:r>
+              <a:rPr lang="ru-RU" sz="1400" b="1" dirty="0" smtClean="0">
+                <a:solidFill>
+                  <a:schemeClr val="tx2"/>
+                </a:solidFill>
+              </a:rPr>
+              <a:t>на </a:t>
+            </a:r>
+            <a:r>
+              <a:rPr lang="ru-RU" sz="1400" b="1" dirty="0">
+                <a:solidFill>
+                  <a:schemeClr val="tx2"/>
+                </a:solidFill>
+              </a:rPr>
+              <a:t>2 кластера </a:t>
+            </a:r>
+            <a:r>
+              <a:rPr lang="ru-RU" sz="1400" b="1" dirty="0" smtClean="0">
+                <a:solidFill>
+                  <a:schemeClr val="tx2"/>
+                </a:solidFill>
+              </a:rPr>
+              <a:t>(</a:t>
+            </a:r>
+            <a:r>
               <a:rPr lang="ru-RU" sz="1400" b="1" dirty="0" err="1" smtClean="0">
                 <a:solidFill>
                   <a:schemeClr val="tx2"/>
                 </a:solidFill>
               </a:rPr>
-              <a:t>Нестандартизированные</a:t>
+              <a:t>нестандартизированные</a:t>
             </a:r>
             <a:r>
               <a:rPr lang="ru-RU" sz="1400" b="1" dirty="0" smtClean="0">
@@ -5535,7 +5588,7 @@
                   <a:schemeClr val="tx2"/>
                 </a:solidFill>
               </a:rPr>
-              <a:t> данные, 2 кластера</a:t>
+              <a:t> данные),</a:t>
             </a:r>
           </a:p>
           <a:p>
@@ -5546,7 +5599,7 @@
                   <a:schemeClr val="tx2"/>
                 </a:solidFill>
               </a:rPr>
-              <a:t>отличаются </a:t>
+              <a:t>кластеры отличаются </a:t>
             </a:r>
             <a:r>
               <a:rPr lang="ru-RU" sz="1400" b="1" dirty="0">
@@ -5612,7 +5665,7 @@
         </p:blipFill>
         <p:spPr>
           <a:xfrm>
-            <a:off x="323528" y="658799"/>
+            <a:off x="323528" y="620688"/>
             <a:ext cx="8467200" cy="6084000"/>
           </a:xfrm>
           <a:prstGeom prst="rect">
@@ -5699,7 +5752,55 @@
                   <a:schemeClr val="tx2"/>
                 </a:solidFill>
               </a:rPr>
-              <a:t>       Во 2-м кластере посещений на 1 человека в 2 раза больше, при этом непропорционально больше заказывается "Коктейлей для друзей" (куда входят 3 порции), Лонгов (=коктейлей), Пива для друзей (3 порции в наборе), Крепкий алкоголь и Холодные напитки (к нему же), Сетов. </a:t>
+              <a:t> </a:t>
+            </a:r>
+            <a:r>
+              <a:rPr lang="ru-RU" sz="1400" dirty="0" smtClean="0">
+                <a:solidFill>
+                  <a:schemeClr val="tx2"/>
+                </a:solidFill>
+              </a:rPr>
+              <a:t>В </a:t>
+            </a:r>
+            <a:r>
+              <a:rPr lang="ru-RU" sz="1400" dirty="0">
+                <a:solidFill>
+                  <a:schemeClr val="tx2"/>
+                </a:solidFill>
+              </a:rPr>
+              <a:t>расчете на 1 посещение </a:t>
+            </a:r>
+            <a:r>
+              <a:rPr lang="ru-RU" sz="1400" dirty="0" smtClean="0">
+                <a:solidFill>
+                  <a:schemeClr val="tx2"/>
+                </a:solidFill>
+              </a:rPr>
+              <a:t>во </a:t>
+            </a:r>
+            <a:r>
+              <a:rPr lang="ru-RU" sz="1400" dirty="0">
+                <a:solidFill>
+                  <a:schemeClr val="tx2"/>
+                </a:solidFill>
+              </a:rPr>
+              <a:t>2-м кластере </a:t>
+            </a:r>
+            <a:r>
+              <a:rPr lang="ru-RU" sz="1400" dirty="0" smtClean="0">
+                <a:solidFill>
+                  <a:schemeClr val="tx2"/>
+                </a:solidFill>
+              </a:rPr>
+              <a:t>больше </a:t>
+            </a:r>
+            <a:r>
+              <a:rPr lang="ru-RU" sz="1400" dirty="0">
+                <a:solidFill>
+                  <a:schemeClr val="tx2"/>
+                </a:solidFill>
+              </a:rPr>
+              <a:t>заказывается "Коктейлей для друзей" (куда входят 3 порции), Лонгов (=коктейлей), Пива для друзей (3 порции в наборе), Крепкий алкоголь и Холодные напитки (к нему же), Сетов. </a:t>
             </a:r>
             <a:r>
               <a:rPr lang="ru-RU" sz="1400" b="1" dirty="0">
@@ -5716,6 +5817,44 @@
                 </a:solidFill>
               </a:rPr>
               <a:t>.</a:t>
+            </a:r>
+            <a:endParaRPr lang="ru-RU" sz="1400" dirty="0">
+              <a:solidFill>
+                <a:schemeClr val="tx2"/>
+              </a:solidFill>
+            </a:endParaRPr>
+          </a:p>
+        </p:txBody>
+      </p:sp>
+      <p:sp>
+        <p:nvSpPr>
+          <p:cNvPr id="6" name="TextBox 5"/>
+          <p:cNvSpPr txBox="1"/>
+          <p:nvPr/>
+        </p:nvSpPr>
+        <p:spPr>
+          <a:xfrm>
+            <a:off x="4427984" y="6011415"/>
+            <a:ext cx="3528392" cy="307777"/>
+          </a:xfrm>
+          <a:prstGeom prst="rect">
+            <a:avLst/>
+          </a:prstGeom>
+          <a:noFill/>
+        </p:spPr>
+        <p:txBody>
+          <a:bodyPr wrap="square" rtlCol="0">
+            <a:spAutoFit/>
+          </a:bodyPr>
+          <a:lstStyle/>
+          <a:p>
+            <a:r>
+              <a:rPr lang="ru-RU" sz="1400" dirty="0" smtClean="0">
+                <a:solidFill>
+                  <a:schemeClr val="tx2"/>
+                </a:solidFill>
+              </a:rPr>
+              <a:t>Ср. показатели на одно посещение</a:t>
             </a:r>
             <a:endParaRPr lang="ru-RU" sz="1400" dirty="0">
               <a:solidFill>
@@ -5786,8 +5925,16 @@
           <a:p>
             <a:pPr algn="ctr"/>
             <a:r>
+              <a:rPr lang="en-US" b="1" dirty="0" smtClean="0"/>
+              <a:t>II</a:t>
+            </a:r>
+            <a:r>
               <a:rPr lang="ru-RU" b="1" dirty="0" smtClean="0"/>
-              <a:t>3 кластера отражают </a:t>
+              <a:t>. Деление </a:t>
+            </a:r>
+            <a:r>
+              <a:rPr lang="ru-RU" b="1" dirty="0" smtClean="0"/>
+              <a:t>на 3 кластера отражают </a:t>
             </a:r>
             <a:r>
               <a:rPr lang="ru-RU" b="1" dirty="0"/>
@@ -5809,16 +5956,12 @@
               <a:t>методом </a:t>
             </a:r>
             <a:r>
-              <a:rPr lang="en-US" dirty="0" err="1"/>
-              <a:t>Kmeans</a:t>
-            </a:r>
-            <a:r>
-              <a:rPr lang="ru-RU" dirty="0"/>
-              <a:t> </a:t>
+              <a:rPr lang="en-US" dirty="0" smtClean="0"/>
+              <a:t>K-Means</a:t>
             </a:r>
             <a:r>
               <a:rPr lang="ru-RU" dirty="0" smtClean="0"/>
-              <a:t>для </a:t>
+              <a:t> для </a:t>
             </a:r>
             <a:r>
               <a:rPr lang="ru-RU" dirty="0" err="1" smtClean="0"/>
@@ -5832,34 +5975,26 @@
           </a:p>
           <a:p>
             <a:pPr algn="just"/>
-            <a:endParaRPr lang="ru-RU" dirty="0" smtClean="0"/>
+            <a:endParaRPr lang="ru-RU" dirty="0"/>
+          </a:p>
+          <a:p>
+            <a:pPr algn="just"/>
+            <a:r>
+              <a:rPr lang="ru-RU" dirty="0" smtClean="0"/>
+              <a:t>       Средние </a:t>
+            </a:r>
+            <a:r>
+              <a:rPr lang="ru-RU" dirty="0"/>
+              <a:t>цифры </a:t>
+            </a:r>
+            <a:r>
+              <a:rPr lang="ru-RU" dirty="0" smtClean="0"/>
+              <a:t>таковы:</a:t>
+            </a:r>
           </a:p>
           <a:p>
             <a:pPr algn="just"/>
             <a:endParaRPr lang="ru-RU" dirty="0"/>
-          </a:p>
-          <a:p>
-            <a:pPr algn="just"/>
-            <a:r>
-              <a:rPr lang="ru-RU" dirty="0" smtClean="0"/>
-              <a:t>Средние </a:t>
-            </a:r>
-            <a:r>
-              <a:rPr lang="ru-RU" dirty="0"/>
-              <a:t>цифры </a:t>
-            </a:r>
-            <a:r>
-              <a:rPr lang="ru-RU" dirty="0" smtClean="0"/>
-              <a:t>таковы:</a:t>
-            </a:r>
-            <a:endParaRPr lang="ru-RU" dirty="0"/>
-          </a:p>
-          <a:p>
-            <a:pPr algn="just"/>
-            <a:r>
-              <a:rPr lang="ru-RU" dirty="0"/>
-              <a:t> </a:t>
-            </a:r>
           </a:p>
           <a:p>
             <a:pPr marL="285750" indent="-285750" algn="just">
@@ -5867,44 +6002,17 @@
               <a:buChar char="•"/>
             </a:pPr>
             <a:r>
+              <a:rPr lang="ru-RU" dirty="0" smtClean="0"/>
+              <a:t>1-й </a:t>
+            </a:r>
+            <a:r>
               <a:rPr lang="ru-RU" dirty="0"/>
-              <a:t>1-й кластер (11416 клиентов): Посещений 1,18 раз в месяц и ARPU 1513 руб. Пол: поровну мужчин и девушек.</a:t>
-            </a:r>
-          </a:p>
-          <a:p>
-            <a:pPr algn="just"/>
-            <a:r>
-              <a:rPr lang="ru-RU" dirty="0"/>
-              <a:t> </a:t>
-            </a:r>
-          </a:p>
-          <a:p>
-            <a:pPr marL="285750" indent="-285750" algn="just">
-              <a:buFont typeface="Arial" pitchFamily="34" charset="0"/>
-              <a:buChar char="•"/>
-            </a:pPr>
-            <a:r>
-              <a:rPr lang="ru-RU" dirty="0"/>
-              <a:t>2-й кластер (3595 клиентов): Посещений 1,88 раз в месяц и ARPU 5034 руб. Пол: почти поровну мужчин и девушек.</a:t>
-            </a:r>
-          </a:p>
-          <a:p>
-            <a:pPr algn="just"/>
-            <a:r>
-              <a:rPr lang="ru-RU" dirty="0"/>
-              <a:t> </a:t>
-            </a:r>
-          </a:p>
-          <a:p>
-            <a:pPr marL="285750" indent="-285750" algn="just">
-              <a:buFont typeface="Arial" pitchFamily="34" charset="0"/>
-              <a:buChar char="•"/>
-            </a:pPr>
-            <a:r>
-              <a:rPr lang="ru-RU" dirty="0"/>
-              <a:t>3-й кластер (566 клиентов) самый высокодоходный: Посещений 3,65 раз в месяц и ARPU 12442 руб. Пол: чаще мужчины, чем девушки. </a:t>
-            </a:r>
-            <a:endParaRPr lang="ru-RU" dirty="0" smtClean="0"/>
+              <a:t>кластер (11416 клиентов): Посещений 1,18 раз в месяц и ARPU 1513 руб. Пол: поровну мужчин и девушек</a:t>
+            </a:r>
+            <a:r>
+              <a:rPr lang="ru-RU" dirty="0" smtClean="0"/>
+              <a:t>.</a:t>
+            </a:r>
           </a:p>
           <a:p>
             <a:pPr marL="285750" indent="-285750" algn="just">
@@ -5914,29 +6022,178 @@
             <a:endParaRPr lang="ru-RU" dirty="0"/>
           </a:p>
           <a:p>
-            <a:pPr algn="just"/>
+            <a:pPr marL="285750" indent="-285750" algn="just">
+              <a:buFont typeface="Arial" pitchFamily="34" charset="0"/>
+              <a:buChar char="•"/>
+            </a:pPr>
             <a:r>
               <a:rPr lang="ru-RU" dirty="0" smtClean="0"/>
-              <a:t>       В </a:t>
+              <a:t>2-й </a:t>
             </a:r>
             <a:r>
               <a:rPr lang="ru-RU" dirty="0"/>
-              <a:t>3-м кластере посещений на 1 человека в 2 раза больше, чем во 2-м, при этом непропорционально больше заказывается Сетов (алкогольных), Крепкого алкоголя и Холодных напитков к ним. А также напитков TO GO и Бизнес-Ланчей. </a:t>
-            </a:r>
-            <a:r>
-              <a:rPr lang="ru-RU" b="1" dirty="0"/>
-              <a:t>Это наиболее компанейский вариант посещения, который возможен даже в дневное время</a:t>
+              <a:t>кластер (3595 клиентов): Посещений 1,88 раз в месяц и ARPU 5034 руб. Пол: почти поровну мужчин и девушек</a:t>
+            </a:r>
+            <a:r>
+              <a:rPr lang="ru-RU" dirty="0" smtClean="0"/>
+              <a:t>.</a:t>
+            </a:r>
+          </a:p>
+          <a:p>
+            <a:pPr marL="285750" indent="-285750" algn="just">
+              <a:buFont typeface="Arial" pitchFamily="34" charset="0"/>
+              <a:buChar char="•"/>
+            </a:pPr>
+            <a:endParaRPr lang="ru-RU" dirty="0"/>
+          </a:p>
+          <a:p>
+            <a:pPr marL="285750" indent="-285750" algn="just">
+              <a:buFont typeface="Arial" pitchFamily="34" charset="0"/>
+              <a:buChar char="•"/>
+            </a:pPr>
+            <a:r>
+              <a:rPr lang="ru-RU" dirty="0" smtClean="0"/>
+              <a:t>3-й </a:t>
             </a:r>
             <a:r>
               <a:rPr lang="ru-RU" dirty="0"/>
-              <a:t> (на что указывают Бизнес-Ланчи).</a:t>
-            </a:r>
+              <a:t>кластер (566 клиентов) самый высокодоходный: Посещений 3,65 раз в месяц и ARPU 12442 руб. Пол: чаще мужчины, чем девушки. </a:t>
+            </a:r>
+            <a:endParaRPr lang="ru-RU" dirty="0" smtClean="0"/>
+          </a:p>
+          <a:p>
+            <a:pPr marL="285750" indent="-285750" algn="just">
+              <a:buFont typeface="Arial" pitchFamily="34" charset="0"/>
+              <a:buChar char="•"/>
+            </a:pPr>
+            <a:endParaRPr lang="ru-RU" dirty="0"/>
           </a:p>
           <a:p>
             <a:pPr algn="just"/>
             <a:r>
               <a:rPr lang="ru-RU" dirty="0"/>
               <a:t> </a:t>
+            </a:r>
+          </a:p>
+        </p:txBody>
+      </p:sp>
+      <p:pic>
+        <p:nvPicPr>
+          <p:cNvPr id="3" name="Рисунок 2"/>
+          <p:cNvPicPr>
+            <a:picLocks noChangeAspect="1"/>
+          </p:cNvPicPr>
+          <p:nvPr/>
+        </p:nvPicPr>
+        <p:blipFill>
+          <a:blip r:embed="rId2">
+            <a:extLst>
+              <a:ext uri="{28A0092B-C50C-407E-A947-70E740481C1C}">
+                <a14:useLocalDpi xmlns:a14="http://schemas.microsoft.com/office/drawing/2010/main" val="0"/>
+              </a:ext>
+            </a:extLst>
+          </a:blip>
+          <a:stretch>
+            <a:fillRect/>
+          </a:stretch>
+        </p:blipFill>
+        <p:spPr>
+          <a:xfrm>
+            <a:off x="668582" y="3861048"/>
+            <a:ext cx="3837268" cy="2520280"/>
+          </a:xfrm>
+          <a:prstGeom prst="rect">
+            <a:avLst/>
+          </a:prstGeom>
+        </p:spPr>
+      </p:pic>
+      <p:sp>
+        <p:nvSpPr>
+          <p:cNvPr id="4" name="TextBox 3"/>
+          <p:cNvSpPr txBox="1"/>
+          <p:nvPr/>
+        </p:nvSpPr>
+        <p:spPr>
+          <a:xfrm>
+            <a:off x="4521043" y="4221088"/>
+            <a:ext cx="2232248" cy="1384995"/>
+          </a:xfrm>
+          <a:prstGeom prst="rect">
+            <a:avLst/>
+          </a:prstGeom>
+          <a:noFill/>
+        </p:spPr>
+        <p:txBody>
+          <a:bodyPr wrap="square" rtlCol="0">
+            <a:spAutoFit/>
+          </a:bodyPr>
+          <a:lstStyle/>
+          <a:p>
+            <a:r>
+              <a:rPr lang="ru-RU" sz="1400" dirty="0" smtClean="0">
+                <a:solidFill>
+                  <a:schemeClr val="tx2"/>
+                </a:solidFill>
+              </a:rPr>
+              <a:t>Распределения стабильны</a:t>
+            </a:r>
+            <a:endParaRPr lang="ru-RU" sz="1400" dirty="0">
+              <a:solidFill>
+                <a:schemeClr val="tx2"/>
+              </a:solidFill>
+            </a:endParaRPr>
+          </a:p>
+          <a:p>
+            <a:r>
+              <a:rPr lang="ru-RU" sz="1400" dirty="0" smtClean="0">
+                <a:solidFill>
+                  <a:schemeClr val="tx2"/>
+                </a:solidFill>
+              </a:rPr>
+              <a:t>по </a:t>
+            </a:r>
+            <a:r>
+              <a:rPr lang="en-US" sz="1400" dirty="0" smtClean="0">
+                <a:solidFill>
+                  <a:schemeClr val="tx2"/>
+                </a:solidFill>
+              </a:rPr>
+              <a:t>ARPU</a:t>
+            </a:r>
+            <a:r>
+              <a:rPr lang="ru-RU" sz="1400" dirty="0" smtClean="0">
+                <a:solidFill>
+                  <a:schemeClr val="tx2"/>
+                </a:solidFill>
+              </a:rPr>
+              <a:t>, </a:t>
+            </a:r>
+          </a:p>
+          <a:p>
+            <a:r>
+              <a:rPr lang="ru-RU" sz="1400" dirty="0" smtClean="0">
+                <a:solidFill>
+                  <a:schemeClr val="tx2"/>
+                </a:solidFill>
+              </a:rPr>
+              <a:t>Сетам (алкогольным).</a:t>
+            </a:r>
+          </a:p>
+          <a:p>
+            <a:endParaRPr lang="ru-RU" sz="1400" dirty="0" smtClean="0">
+              <a:solidFill>
+                <a:schemeClr val="tx2"/>
+              </a:solidFill>
+            </a:endParaRPr>
+          </a:p>
+          <a:p>
+            <a:r>
+              <a:rPr lang="ru-RU" sz="1400" dirty="0" smtClean="0">
+                <a:solidFill>
+                  <a:schemeClr val="tx2"/>
+                </a:solidFill>
+              </a:rPr>
+              <a:t>И есть отличие между кластерами</a:t>
             </a:r>
           </a:p>
         </p:txBody>
@@ -6021,9 +6278,55 @@
           </a:p>
         </p:txBody>
       </p:sp>
+      <p:sp>
+        <p:nvSpPr>
+          <p:cNvPr id="4" name="TextBox 3"/>
+          <p:cNvSpPr txBox="1"/>
+          <p:nvPr/>
+        </p:nvSpPr>
+        <p:spPr>
+          <a:xfrm>
+            <a:off x="1979712" y="321618"/>
+            <a:ext cx="4104456" cy="307777"/>
+          </a:xfrm>
+          <a:prstGeom prst="rect">
+            <a:avLst/>
+          </a:prstGeom>
+          <a:noFill/>
+        </p:spPr>
+        <p:txBody>
+          <a:bodyPr wrap="square" rtlCol="0">
+            <a:spAutoFit/>
+          </a:bodyPr>
+          <a:lstStyle/>
+          <a:p>
+            <a:r>
+              <a:rPr lang="ru-RU" sz="1400" b="1" dirty="0" err="1" smtClean="0">
+                <a:solidFill>
+                  <a:schemeClr val="tx2"/>
+                </a:solidFill>
+              </a:rPr>
+              <a:t>Нестандартизированнные</a:t>
+            </a:r>
+            <a:r>
+              <a:rPr lang="ru-RU" sz="1400" b="1" dirty="0" smtClean="0">
+                <a:solidFill>
+                  <a:schemeClr val="tx2"/>
+                </a:solidFill>
+              </a:rPr>
+              <a:t> данные, 3 кластера</a:t>
+            </a:r>
+            <a:endParaRPr lang="ru-RU" sz="1400" b="1" dirty="0">
+              <a:solidFill>
+                <a:schemeClr val="tx2"/>
+              </a:solidFill>
+            </a:endParaRPr>
+          </a:p>
+        </p:txBody>
+      </p:sp>
       <p:pic>
         <p:nvPicPr>
-          <p:cNvPr id="2" name="Рисунок 1"/>
+          <p:cNvPr id="7" name="Рисунок 6"/>
           <p:cNvPicPr preferRelativeResize="0">
             <a:picLocks/>
           </p:cNvPicPr>
@@ -6037,43 +6340,13 @@
               </a:ext>
             </a:extLst>
           </a:blip>
-          <a:srcRect l="-2026" t="51522"/>
+          <a:srcRect t="2574"/>
           <a:stretch/>
         </p:blipFill>
         <p:spPr>
           <a:xfrm>
-            <a:off x="5632" y="476674"/>
-            <a:ext cx="8467200" cy="3648699"/>
-          </a:xfrm>
-          <a:prstGeom prst="rect">
-            <a:avLst/>
-          </a:prstGeom>
-        </p:spPr>
-      </p:pic>
-      <p:pic>
-        <p:nvPicPr>
-          <p:cNvPr id="3" name="Рисунок 2"/>
-          <p:cNvPicPr>
-            <a:picLocks noChangeAspect="1"/>
-          </p:cNvPicPr>
-          <p:nvPr/>
-        </p:nvPicPr>
-        <p:blipFill>
-          <a:blip r:embed="rId3">
-            <a:extLst>
-              <a:ext uri="{28A0092B-C50C-407E-A947-70E740481C1C}">
-                <a14:useLocalDpi xmlns:a14="http://schemas.microsoft.com/office/drawing/2010/main" val="0"/>
-              </a:ext>
-            </a:extLst>
-          </a:blip>
-          <a:stretch>
-            <a:fillRect/>
-          </a:stretch>
-        </p:blipFill>
-        <p:spPr>
-          <a:xfrm>
-            <a:off x="480347" y="4125158"/>
-            <a:ext cx="4012496" cy="2635368"/>
+            <a:off x="324000" y="658800"/>
+            <a:ext cx="8467200" cy="6084000"/>
           </a:xfrm>
           <a:prstGeom prst="rect">
             <a:avLst/>
@@ -6082,14 +6355,14 @@
       </p:pic>
       <p:sp>
         <p:nvSpPr>
-          <p:cNvPr id="4" name="TextBox 3"/>
+          <p:cNvPr id="8" name="TextBox 7"/>
           <p:cNvSpPr txBox="1"/>
           <p:nvPr/>
         </p:nvSpPr>
         <p:spPr>
           <a:xfrm>
-            <a:off x="1979712" y="188640"/>
-            <a:ext cx="4104456" cy="307777"/>
+            <a:off x="2553376" y="1196752"/>
+            <a:ext cx="4752528" cy="1384995"/>
           </a:xfrm>
           <a:prstGeom prst="rect">
             <a:avLst/>
@@ -6103,12 +6376,44 @@
           <a:lstStyle/>
           <a:p>
             <a:r>
-              <a:rPr lang="ru-RU" sz="1400" b="1" dirty="0" err="1" smtClean="0">
+              <a:rPr lang="ru-RU" sz="1400" dirty="0">
                 <a:solidFill>
                   <a:schemeClr val="tx2"/>
                 </a:solidFill>
               </a:rPr>
-              <a:t>Нестандартизированнные</a:t>
+              <a:t>В расчете на 1 посещение </a:t>
+            </a:r>
+            <a:r>
+              <a:rPr lang="ru-RU" sz="1400" dirty="0" smtClean="0">
+                <a:solidFill>
+                  <a:schemeClr val="tx2"/>
+                </a:solidFill>
+              </a:rPr>
+              <a:t>в 3-м кластере больше </a:t>
+            </a:r>
+            <a:r>
+              <a:rPr lang="ru-RU" sz="1400" dirty="0">
+                <a:solidFill>
+                  <a:schemeClr val="tx2"/>
+                </a:solidFill>
+              </a:rPr>
+              <a:t>заказывается Сетов (алкогольных), Крепкого алкоголя и Холодных напитков к ним. А также напитков TO GO и Бизнес-</a:t>
+            </a:r>
+            <a:r>
+              <a:rPr lang="ru-RU" sz="1400" dirty="0" err="1">
+                <a:solidFill>
+                  <a:schemeClr val="tx2"/>
+                </a:solidFill>
+              </a:rPr>
+              <a:t>Ланчей</a:t>
+            </a:r>
+            <a:r>
+              <a:rPr lang="ru-RU" sz="1400" dirty="0" smtClean="0">
+                <a:solidFill>
+                  <a:schemeClr val="tx2"/>
+                </a:solidFill>
+              </a:rPr>
+              <a:t>. </a:t>
             </a:r>
             <a:r>
               <a:rPr lang="ru-RU" sz="1400" b="1" dirty="0" smtClean="0">
@@ -6116,9 +6421,33 @@
                   <a:schemeClr val="tx2"/>
                 </a:solidFill>
               </a:rPr>
-              <a:t> данные, 3 кластера</a:t>
-            </a:r>
-            <a:endParaRPr lang="ru-RU" sz="1400" b="1" dirty="0">
+              <a:t>Это </a:t>
+            </a:r>
+            <a:r>
+              <a:rPr lang="ru-RU" sz="1400" b="1" dirty="0">
+                <a:solidFill>
+                  <a:schemeClr val="tx2"/>
+                </a:solidFill>
+              </a:rPr>
+              <a:t>наиболее компанейский вариант посещения, который возможен даже в дневное время</a:t>
+            </a:r>
+            <a:r>
+              <a:rPr lang="ru-RU" sz="1400" dirty="0">
+                <a:solidFill>
+                  <a:schemeClr val="tx2"/>
+                </a:solidFill>
+              </a:rPr>
+              <a:t> (на что указывают Бизнес-Ланчи</a:t>
+            </a:r>
+            <a:r>
+              <a:rPr lang="ru-RU" sz="1400" dirty="0" smtClean="0">
+                <a:solidFill>
+                  <a:schemeClr val="tx2"/>
+                </a:solidFill>
+              </a:rPr>
+              <a:t>).</a:t>
+            </a:r>
+            <a:endParaRPr lang="ru-RU" sz="1400" dirty="0">
               <a:solidFill>
                 <a:schemeClr val="tx2"/>
               </a:solidFill>
@@ -6128,14 +6457,14 @@
       </p:sp>
       <p:sp>
         <p:nvSpPr>
-          <p:cNvPr id="6" name="TextBox 5"/>
+          <p:cNvPr id="9" name="TextBox 8"/>
           <p:cNvSpPr txBox="1"/>
           <p:nvPr/>
         </p:nvSpPr>
         <p:spPr>
           <a:xfrm>
-            <a:off x="4572000" y="4509120"/>
-            <a:ext cx="2232248" cy="1384995"/>
+            <a:off x="4031940" y="6165303"/>
+            <a:ext cx="3528392" cy="307777"/>
           </a:xfrm>
           <a:prstGeom prst="rect">
             <a:avLst/>
@@ -6154,66 +6483,13 @@
                   <a:schemeClr val="tx2"/>
                 </a:solidFill>
               </a:rPr>
-              <a:t>Распределения стабильны</a:t>
+              <a:t>Ср. показатели на одно посещение</a:t>
             </a:r>
             <a:endParaRPr lang="ru-RU" sz="1400" dirty="0">
               <a:solidFill>
                 <a:schemeClr val="tx2"/>
               </a:solidFill>
             </a:endParaRPr>
-          </a:p>
-          <a:p>
-            <a:r>
-              <a:rPr lang="ru-RU" sz="1400" dirty="0" smtClean="0">
-                <a:solidFill>
-                  <a:schemeClr val="tx2"/>
-                </a:solidFill>
-              </a:rPr>
-              <a:t>по </a:t>
-            </a:r>
-            <a:r>
-              <a:rPr lang="en-US" sz="1400" dirty="0" smtClean="0">
-                <a:solidFill>
-                  <a:schemeClr val="tx2"/>
-                </a:solidFill>
-              </a:rPr>
-              <a:t>ARPU</a:t>
-            </a:r>
-            <a:r>
-              <a:rPr lang="ru-RU" sz="1400" dirty="0" smtClean="0">
-                <a:solidFill>
-                  <a:schemeClr val="tx2"/>
-                </a:solidFill>
-              </a:rPr>
-              <a:t>, </a:t>
-            </a:r>
-          </a:p>
-          <a:p>
-            <a:r>
-              <a:rPr lang="ru-RU" sz="1400" dirty="0" smtClean="0">
-                <a:solidFill>
-                  <a:schemeClr val="tx2"/>
-                </a:solidFill>
-              </a:rPr>
-              <a:t>Сетам (алкогольным).</a:t>
-            </a:r>
-          </a:p>
-          <a:p>
-            <a:endParaRPr lang="ru-RU" sz="1400" dirty="0" smtClean="0">
-              <a:solidFill>
-                <a:schemeClr val="tx2"/>
-              </a:solidFill>
-            </a:endParaRPr>
-          </a:p>
-          <a:p>
-            <a:r>
-              <a:rPr lang="ru-RU" sz="1400" dirty="0" smtClean="0">
-                <a:solidFill>
-                  <a:schemeClr val="tx2"/>
-                </a:solidFill>
-              </a:rPr>
-              <a:t>И есть отличие между кластерами</a:t>
-            </a:r>
           </a:p>
         </p:txBody>
       </p:sp>
@@ -6278,8 +6554,16 @@
           <a:p>
             <a:pPr algn="ctr"/>
             <a:r>
+              <a:rPr lang="en-US" b="1" dirty="0" smtClean="0"/>
+              <a:t>III</a:t>
+            </a:r>
+            <a:r>
               <a:rPr lang="ru-RU" b="1" dirty="0" smtClean="0"/>
-              <a:t>4 кластера нормализованных данных </a:t>
+              <a:t>. Деление на 4 </a:t>
+            </a:r>
+            <a:r>
+              <a:rPr lang="ru-RU" b="1" dirty="0" smtClean="0"/>
+              <a:t>кластера нормализованных данных </a:t>
             </a:r>
           </a:p>
           <a:p>
@@ -6313,12 +6597,8 @@
               <a:t>Методом </a:t>
             </a:r>
             <a:r>
-              <a:rPr lang="en-US" dirty="0" err="1" smtClean="0"/>
-              <a:t>Kmeans</a:t>
-            </a:r>
-            <a:r>
               <a:rPr lang="en-US" dirty="0" smtClean="0"/>
-              <a:t> </a:t>
+              <a:t>K-Means </a:t>
             </a:r>
             <a:r>
               <a:rPr lang="ru-RU" dirty="0" smtClean="0"/>
@@ -6650,6 +6930,108 @@
           </a:prstGeom>
         </p:spPr>
       </p:pic>
+      <p:sp>
+        <p:nvSpPr>
+          <p:cNvPr id="6" name="TextBox 5"/>
+          <p:cNvSpPr txBox="1"/>
+          <p:nvPr/>
+        </p:nvSpPr>
+        <p:spPr>
+          <a:xfrm>
+            <a:off x="5436096" y="6089891"/>
+            <a:ext cx="3024336" cy="307777"/>
+          </a:xfrm>
+          <a:prstGeom prst="rect">
+            <a:avLst/>
+          </a:prstGeom>
+          <a:noFill/>
+        </p:spPr>
+        <p:txBody>
+          <a:bodyPr wrap="square" rtlCol="0">
+            <a:spAutoFit/>
+          </a:bodyPr>
+          <a:lstStyle/>
+          <a:p>
+            <a:r>
+              <a:rPr lang="ru-RU" sz="1400" dirty="0" smtClean="0">
+                <a:solidFill>
+                  <a:schemeClr val="tx2"/>
+                </a:solidFill>
+              </a:rPr>
+              <a:t>Ср. показатели на одно посещение</a:t>
+            </a:r>
+            <a:endParaRPr lang="ru-RU" sz="1400" dirty="0">
+              <a:solidFill>
+                <a:schemeClr val="tx2"/>
+              </a:solidFill>
+            </a:endParaRPr>
+          </a:p>
+        </p:txBody>
+      </p:sp>
+      <p:sp>
+        <p:nvSpPr>
+          <p:cNvPr id="2" name="TextBox 1"/>
+          <p:cNvSpPr txBox="1"/>
+          <p:nvPr/>
+        </p:nvSpPr>
+        <p:spPr>
+          <a:xfrm>
+            <a:off x="2687562" y="1772816"/>
+            <a:ext cx="4248472" cy="954107"/>
+          </a:xfrm>
+          <a:prstGeom prst="rect">
+            <a:avLst/>
+          </a:prstGeom>
+          <a:noFill/>
+        </p:spPr>
+        <p:txBody>
+          <a:bodyPr wrap="square" rtlCol="0">
+            <a:spAutoFit/>
+          </a:bodyPr>
+          <a:lstStyle/>
+          <a:p>
+            <a:r>
+              <a:rPr lang="ru-RU" sz="1400" dirty="0" smtClean="0">
+                <a:solidFill>
+                  <a:schemeClr val="tx2"/>
+                </a:solidFill>
+              </a:rPr>
+              <a:t>Для рассылки персональных предложений</a:t>
+            </a:r>
+          </a:p>
+          <a:p>
+            <a:r>
+              <a:rPr lang="ru-RU" sz="1400" dirty="0" smtClean="0">
+                <a:solidFill>
+                  <a:schemeClr val="tx2"/>
+                </a:solidFill>
+              </a:rPr>
+              <a:t>следует исключать тех клиентов, которые посещают бар строго в </a:t>
+            </a:r>
+            <a:r>
+              <a:rPr lang="ru-RU" sz="1400" dirty="0" err="1" smtClean="0">
+                <a:solidFill>
+                  <a:schemeClr val="tx2"/>
+                </a:solidFill>
+              </a:rPr>
+              <a:t>прайм</a:t>
+            </a:r>
+            <a:r>
+              <a:rPr lang="ru-RU" sz="1400" dirty="0" smtClean="0">
+                <a:solidFill>
+                  <a:schemeClr val="tx2"/>
+                </a:solidFill>
+              </a:rPr>
+              <a:t>-тайм: пятница (для девушек) и суббота (для мужчин)</a:t>
+            </a:r>
+            <a:endParaRPr lang="ru-RU" sz="1400" dirty="0">
+              <a:solidFill>
+                <a:schemeClr val="tx2"/>
+              </a:solidFill>
+            </a:endParaRPr>
+          </a:p>
+        </p:txBody>
+      </p:sp>
     </p:spTree>
     <p:extLst>
       <p:ext uri="{BB962C8B-B14F-4D97-AF65-F5344CB8AC3E}">
@@ -6754,12 +7136,28 @@
           <a:p>
             <a:pPr algn="ctr"/>
             <a:r>
+              <a:rPr lang="en-US" sz="1400" b="1" dirty="0" smtClean="0">
+                <a:solidFill>
+                  <a:schemeClr val="tx2"/>
+                </a:solidFill>
+              </a:rPr>
+              <a:t>IV</a:t>
+            </a:r>
+            <a:r>
               <a:rPr lang="ru-RU" sz="1400" b="1" dirty="0" smtClean="0">
                 <a:solidFill>
                   <a:schemeClr val="tx2"/>
                 </a:solidFill>
               </a:rPr>
-              <a:t>Удобно рассмотреть нормализованные данные, разделённые </a:t>
+              <a:t>. Удобно </a:t>
+            </a:r>
+            <a:r>
+              <a:rPr lang="ru-RU" sz="1400" b="1" dirty="0" smtClean="0">
+                <a:solidFill>
+                  <a:schemeClr val="tx2"/>
+                </a:solidFill>
+              </a:rPr>
+              <a:t>рассмотреть нормализованные данные, разделённые </a:t>
             </a:r>
           </a:p>
           <a:p>
@@ -6863,6 +7261,44 @@
               </a:rPr>
               <a:t> (коктейли), роллы, салаты и десерты по сравнению с мужчинами, и меньше интерес к крепкому алкоголю и "пиву для друзей".</a:t>
             </a:r>
+          </a:p>
+        </p:txBody>
+      </p:sp>
+      <p:sp>
+        <p:nvSpPr>
+          <p:cNvPr id="7" name="TextBox 6"/>
+          <p:cNvSpPr txBox="1"/>
+          <p:nvPr/>
+        </p:nvSpPr>
+        <p:spPr>
+          <a:xfrm>
+            <a:off x="5436096" y="6116807"/>
+            <a:ext cx="3528392" cy="307777"/>
+          </a:xfrm>
+          <a:prstGeom prst="rect">
+            <a:avLst/>
+          </a:prstGeom>
+          <a:noFill/>
+        </p:spPr>
+        <p:txBody>
+          <a:bodyPr wrap="square" rtlCol="0">
+            <a:spAutoFit/>
+          </a:bodyPr>
+          <a:lstStyle/>
+          <a:p>
+            <a:r>
+              <a:rPr lang="ru-RU" sz="1400" dirty="0" smtClean="0">
+                <a:solidFill>
+                  <a:schemeClr val="tx2"/>
+                </a:solidFill>
+              </a:rPr>
+              <a:t>Ср. показатели на одно посещение</a:t>
+            </a:r>
+            <a:endParaRPr lang="ru-RU" sz="1400" dirty="0">
+              <a:solidFill>
+                <a:schemeClr val="tx2"/>
+              </a:solidFill>
+            </a:endParaRPr>
           </a:p>
         </p:txBody>
       </p:sp>
@@ -7240,7 +7676,7 @@
           </a:p>
           <a:p>
             <a:pPr algn="ctr"/>
-            <a:endParaRPr lang="ru-RU" b="1" dirty="0"/>
+            <a:endParaRPr lang="ru-RU" b="1" dirty="0" smtClean="0"/>
           </a:p>
           <a:p>
             <a:pPr algn="ctr"/>
@@ -7261,10 +7697,118 @@
           <a:p>
             <a:pPr algn="just"/>
             <a:r>
+              <a:rPr lang="ru-RU" dirty="0" smtClean="0"/>
+              <a:t>На </a:t>
+            </a:r>
+            <a:r>
               <a:rPr lang="ru-RU" dirty="0"/>
-              <a:t>На обезличенных данных выделить сегменты клиентов по их покупательскому поведению. </a:t>
+              <a:t>обезличенных данных выделить сегменты клиентов по их покупательскому поведению. </a:t>
             </a:r>
             <a:endParaRPr lang="ru-RU" dirty="0" smtClean="0"/>
+          </a:p>
+          <a:p>
+            <a:pPr algn="just"/>
+            <a:endParaRPr lang="ru-RU" dirty="0" smtClean="0"/>
+          </a:p>
+          <a:p>
+            <a:pPr algn="just"/>
+            <a:endParaRPr lang="ru-RU" dirty="0" smtClean="0"/>
+          </a:p>
+          <a:p>
+            <a:pPr algn="ctr"/>
+            <a:r>
+              <a:rPr lang="ru-RU" b="1" dirty="0"/>
+              <a:t>Заказчик проекта:</a:t>
+            </a:r>
+          </a:p>
+          <a:p>
+            <a:pPr algn="just"/>
+            <a:endParaRPr lang="ru-RU" dirty="0" smtClean="0"/>
+          </a:p>
+          <a:p>
+            <a:pPr algn="just"/>
+            <a:r>
+              <a:rPr lang="ru-RU" dirty="0" smtClean="0"/>
+              <a:t>Популярная сеть молодёжных баров (Отдел маркетинга). </a:t>
+            </a:r>
+          </a:p>
+          <a:p>
+            <a:pPr marL="285750" indent="-285750" algn="just">
+              <a:buFont typeface="Arial" pitchFamily="34" charset="0"/>
+              <a:buChar char="•"/>
+            </a:pPr>
+            <a:r>
+              <a:rPr lang="ru-RU" dirty="0" smtClean="0"/>
+              <a:t>Определить восприятие бара гостями;</a:t>
+            </a:r>
+          </a:p>
+          <a:p>
+            <a:pPr marL="285750" indent="-285750" algn="just">
+              <a:buFont typeface="Arial" pitchFamily="34" charset="0"/>
+              <a:buChar char="•"/>
+            </a:pPr>
+            <a:r>
+              <a:rPr lang="ru-RU" dirty="0" smtClean="0"/>
+              <a:t>Для анализа</a:t>
+            </a:r>
+            <a:r>
+              <a:rPr lang="ru-RU" dirty="0"/>
+              <a:t>, выделения привлекательных (целевых) сегментов </a:t>
+            </a:r>
+            <a:r>
+              <a:rPr lang="ru-RU" dirty="0" smtClean="0"/>
+              <a:t>клиентов и </a:t>
+            </a:r>
+            <a:r>
+              <a:rPr lang="ru-RU" dirty="0"/>
+              <a:t>разработки адекватного продуктового </a:t>
+            </a:r>
+            <a:r>
+              <a:rPr lang="ru-RU" dirty="0" smtClean="0"/>
+              <a:t>предложения.</a:t>
+            </a:r>
+          </a:p>
+          <a:p>
+            <a:pPr algn="just"/>
+            <a:endParaRPr lang="ru-RU" dirty="0" smtClean="0"/>
+          </a:p>
+          <a:p>
+            <a:pPr algn="just"/>
+            <a:endParaRPr lang="ru-RU" dirty="0" smtClean="0"/>
+          </a:p>
+          <a:p>
+            <a:pPr algn="ctr"/>
+            <a:r>
+              <a:rPr lang="ru-RU" b="1" dirty="0" smtClean="0"/>
+              <a:t>Задача </a:t>
+            </a:r>
+            <a:r>
+              <a:rPr lang="ru-RU" b="1" dirty="0"/>
+              <a:t>проекта</a:t>
+            </a:r>
+            <a:r>
+              <a:rPr lang="ru-RU" b="1" dirty="0" smtClean="0"/>
+              <a:t>:</a:t>
+            </a:r>
+          </a:p>
+          <a:p>
+            <a:pPr algn="ctr"/>
+            <a:endParaRPr lang="ru-RU" dirty="0"/>
+          </a:p>
+          <a:p>
+            <a:pPr algn="just"/>
+            <a:r>
+              <a:rPr lang="ru-RU" dirty="0" smtClean="0"/>
+              <a:t>Методом </a:t>
+            </a:r>
+            <a:r>
+              <a:rPr lang="ru-RU" dirty="0"/>
+              <a:t>кластеризации разделить клиентов на группы и описать выявленные сценарии покупательского поведения</a:t>
+            </a:r>
+            <a:r>
+              <a:rPr lang="ru-RU" dirty="0" smtClean="0"/>
+              <a:t>.</a:t>
+            </a:r>
           </a:p>
           <a:p>
             <a:pPr algn="just"/>
@@ -7275,67 +7819,12 @@
             <a:endParaRPr lang="ru-RU" dirty="0" smtClean="0"/>
           </a:p>
           <a:p>
-            <a:pPr algn="ctr"/>
-            <a:r>
-              <a:rPr lang="ru-RU" b="1" dirty="0"/>
-              <a:t>Заказчик проекта:</a:t>
-            </a:r>
-          </a:p>
-          <a:p>
-            <a:pPr algn="just"/>
-            <a:endParaRPr lang="ru-RU" dirty="0" smtClean="0"/>
-          </a:p>
-          <a:p>
-            <a:pPr algn="just"/>
-            <a:r>
-              <a:rPr lang="ru-RU" dirty="0" smtClean="0"/>
-              <a:t>Отдел маркетинга. </a:t>
-            </a:r>
-          </a:p>
-          <a:p>
-            <a:pPr algn="just"/>
-            <a:r>
-              <a:rPr lang="ru-RU" dirty="0" smtClean="0"/>
-              <a:t>Для анализа</a:t>
-            </a:r>
-            <a:r>
-              <a:rPr lang="ru-RU" dirty="0"/>
-              <a:t>, выделения привлекательных (целевых) сегментов клиентов, разработки адекватного продуктового предложения и позиционирования. </a:t>
-            </a:r>
-          </a:p>
-          <a:p>
-            <a:pPr algn="just"/>
-            <a:r>
-              <a:rPr lang="ru-RU" dirty="0"/>
-              <a:t> </a:t>
-            </a:r>
-            <a:endParaRPr lang="ru-RU" dirty="0" smtClean="0"/>
-          </a:p>
-          <a:p>
             <a:pPr algn="just"/>
             <a:endParaRPr lang="ru-RU" dirty="0"/>
           </a:p>
           <a:p>
             <a:pPr algn="ctr"/>
-            <a:r>
-              <a:rPr lang="ru-RU" b="1" dirty="0"/>
-              <a:t>Задача проекта</a:t>
-            </a:r>
-            <a:r>
-              <a:rPr lang="ru-RU" b="1" dirty="0" smtClean="0"/>
-              <a:t>:</a:t>
-            </a:r>
-          </a:p>
-          <a:p>
-            <a:pPr algn="ctr"/>
             <a:endParaRPr lang="ru-RU" dirty="0"/>
-          </a:p>
-          <a:p>
-            <a:pPr algn="just"/>
-            <a:r>
-              <a:rPr lang="ru-RU" dirty="0"/>
-              <a:t>Методом кластеризации разделить клиентов на группы и описать выявленные сценарии покупательского поведения.</a:t>
-            </a:r>
           </a:p>
           <a:p>
             <a:endParaRPr lang="ru-RU" dirty="0"/>
@@ -7707,14 +8196,6 @@
             <a:endParaRPr lang="ru-RU" dirty="0" smtClean="0"/>
           </a:p>
           <a:p>
-            <a:pPr lvl="0" algn="just"/>
-            <a:endParaRPr lang="ru-RU" dirty="0" smtClean="0"/>
-          </a:p>
-          <a:p>
-            <a:pPr lvl="0" algn="just"/>
-            <a:endParaRPr lang="ru-RU" dirty="0"/>
-          </a:p>
-          <a:p>
             <a:pPr marL="285750" lvl="0" indent="-285750" algn="just">
               <a:buFont typeface="Arial" pitchFamily="34" charset="0"/>
               <a:buChar char="•"/>
@@ -7729,7 +8210,7 @@
             </a:r>
             <a:r>
               <a:rPr lang="ru-RU" dirty="0" smtClean="0"/>
-              <a:t>реальности. Значит позиционирование верное и выполняет свою задачу.</a:t>
+              <a:t>реальности. Значит позиционирование верное и выполняет свою задачу. </a:t>
             </a:r>
           </a:p>
           <a:p>
@@ -7758,7 +8239,23 @@
             </a:r>
             <a:r>
               <a:rPr lang="ru-RU" dirty="0" smtClean="0"/>
-              <a:t>рекламу.</a:t>
+              <a:t>рекламу (пол, день посещения, частота визитов, продуктовые предпочтения). Это позволяет </a:t>
+            </a:r>
+            <a:r>
+              <a:rPr lang="ru-RU" dirty="0"/>
+              <a:t>прогнозировать эффект </a:t>
+            </a:r>
+            <a:r>
+              <a:rPr lang="ru-RU" dirty="0" smtClean="0"/>
+              <a:t>акций, повысить конверсию и снизить расходы </a:t>
+            </a:r>
+            <a:r>
+              <a:rPr lang="ru-RU" dirty="0"/>
+              <a:t>на </a:t>
+            </a:r>
+            <a:r>
+              <a:rPr lang="ru-RU" dirty="0" smtClean="0"/>
+              <a:t>коммуникацию.</a:t>
             </a:r>
           </a:p>
           <a:p>
@@ -7769,14 +8266,53 @@
             <a:endParaRPr lang="ru-RU" dirty="0"/>
           </a:p>
           <a:p>
+            <a:pPr marL="285750" indent="-285750" algn="just">
+              <a:buFont typeface="Arial" pitchFamily="34" charset="0"/>
+              <a:buChar char="•"/>
+            </a:pPr>
+            <a:r>
+              <a:rPr lang="ru-RU" dirty="0"/>
+              <a:t>В условиях пандемии и социального </a:t>
+            </a:r>
+            <a:r>
+              <a:rPr lang="ru-RU" dirty="0" err="1"/>
+              <a:t>дистанцирования</a:t>
+            </a:r>
+            <a:r>
+              <a:rPr lang="ru-RU" dirty="0"/>
+              <a:t> заведение, ориентированное на компании, несёт дополнительные риски и должно быть готово адаптировать маркетинг-</a:t>
+            </a:r>
+            <a:r>
+              <a:rPr lang="ru-RU" dirty="0" err="1"/>
+              <a:t>микс</a:t>
+            </a:r>
+            <a:r>
+              <a:rPr lang="ru-RU" dirty="0"/>
+              <a:t> для разных вариантов посещения бара: в большой компании или в </a:t>
+            </a:r>
+            <a:r>
+              <a:rPr lang="ru-RU" dirty="0" smtClean="0"/>
+              <a:t>малочисленной (согласно делению на кластеры).</a:t>
+            </a:r>
+            <a:endParaRPr lang="ru-RU" dirty="0"/>
+          </a:p>
+          <a:p>
+            <a:pPr lvl="0" algn="just"/>
+            <a:endParaRPr lang="ru-RU" dirty="0"/>
+          </a:p>
+          <a:p>
             <a:pPr marL="285750" lvl="0" indent="-285750" algn="just">
               <a:buFont typeface="Arial" pitchFamily="34" charset="0"/>
               <a:buChar char="•"/>
             </a:pPr>
             <a:r>
               <a:rPr lang="ru-RU" dirty="0" smtClean="0"/>
-              <a:t>Новые знания о клиентах позволят улучшить взаимодействие с ними, а также прогнозировать эффект акций.</a:t>
-            </a:r>
+              <a:t>Новые знания о клиентах позволяют лучше понимать их потребности, формировать и доносить ценностные предложения для удовлетворения нужд клиентов и получения прибыли.</a:t>
+            </a:r>
+          </a:p>
+          <a:p>
+            <a:pPr lvl="0" algn="just"/>
+            <a:endParaRPr lang="ru-RU" dirty="0"/>
           </a:p>
         </p:txBody>
       </p:sp>
@@ -9099,18 +9635,18 @@
             <a:pPr algn="just"/>
             <a:r>
               <a:rPr lang="ru-RU" dirty="0" smtClean="0"/>
-              <a:t>       При этом точное медианное значение составляет 1889 руб.</a:t>
+              <a:t>       При этом точное медианное значение составляет 1889 руб. Половина всех наблюдений лежит в диапазоне 1052-3439 руб. (1-й и 3-й  квартили).</a:t>
             </a:r>
           </a:p>
           <a:p>
             <a:pPr lvl="0" algn="just"/>
             <a:r>
               <a:rPr lang="ru-RU" dirty="0" smtClean="0"/>
-              <a:t>       Диаграммы </a:t>
+              <a:t>       Диаграммы рассеяния и «Ящик с усами» показывают</a:t>
             </a:r>
             <a:r>
               <a:rPr lang="ru-RU" dirty="0"/>
-              <a:t>рассеяния показывает, что высокое ARPU может быть при разном количестве посещений: начиная от 1 посещения.</a:t>
+              <a:t>, что высокое ARPU может быть при разном количестве посещений: начиная от 1 посещения.</a:t>
             </a:r>
           </a:p>
           <a:p>
@@ -9545,8 +10081,16 @@
               <a:t> с помощью </a:t>
             </a:r>
             <a:r>
-              <a:rPr lang="ru-RU" dirty="0" err="1"/>
-              <a:t>KMeans</a:t>
+              <a:rPr lang="ru-RU" dirty="0" smtClean="0"/>
+              <a:t>K</a:t>
+            </a:r>
+            <a:r>
+              <a:rPr lang="en-US" dirty="0" smtClean="0"/>
+              <a:t>-</a:t>
+            </a:r>
+            <a:r>
+              <a:rPr lang="ru-RU" dirty="0" err="1" smtClean="0"/>
+              <a:t>Means</a:t>
             </a:r>
             <a:r>
               <a:rPr lang="ru-RU" dirty="0" smtClean="0"/>
